--- a/课件/第四讲：字符串处理.pptx
+++ b/课件/第四讲：字符串处理.pptx
@@ -5,10 +5,10 @@
     <p:sldMasterId id="2147483648" r:id="rId1"/>
   </p:sldMasterIdLst>
   <p:notesMasterIdLst>
-    <p:notesMasterId r:id="rId22"/>
+    <p:notesMasterId r:id="rId23"/>
   </p:notesMasterIdLst>
   <p:handoutMasterIdLst>
-    <p:handoutMasterId r:id="rId23"/>
+    <p:handoutMasterId r:id="rId24"/>
   </p:handoutMasterIdLst>
   <p:sldIdLst>
     <p:sldId id="322" r:id="rId2"/>
@@ -24,13 +24,14 @@
     <p:sldId id="440" r:id="rId12"/>
     <p:sldId id="441" r:id="rId13"/>
     <p:sldId id="442" r:id="rId14"/>
-    <p:sldId id="413" r:id="rId15"/>
-    <p:sldId id="443" r:id="rId16"/>
-    <p:sldId id="444" r:id="rId17"/>
-    <p:sldId id="446" r:id="rId18"/>
-    <p:sldId id="445" r:id="rId19"/>
-    <p:sldId id="401" r:id="rId20"/>
-    <p:sldId id="276" r:id="rId21"/>
+    <p:sldId id="447" r:id="rId15"/>
+    <p:sldId id="413" r:id="rId16"/>
+    <p:sldId id="443" r:id="rId17"/>
+    <p:sldId id="444" r:id="rId18"/>
+    <p:sldId id="446" r:id="rId19"/>
+    <p:sldId id="445" r:id="rId20"/>
+    <p:sldId id="401" r:id="rId21"/>
+    <p:sldId id="276" r:id="rId22"/>
   </p:sldIdLst>
   <p:sldSz cx="9144000" cy="6858000" type="screen4x3"/>
   <p:notesSz cx="6858000" cy="9144000"/>
@@ -166,7 +167,7 @@
   </p:defaultTextStyle>
   <p:extLst>
     <p:ext uri="{EFAFB233-063F-42B5-8137-9DF3F51BA10A}">
-      <p15:sldGuideLst xmlns="" xmlns:p15="http://schemas.microsoft.com/office/powerpoint/2012/main">
+      <p15:sldGuideLst xmlns:p15="http://schemas.microsoft.com/office/powerpoint/2012/main">
         <p15:guide id="1" orient="horz" pos="2160">
           <p15:clr>
             <a:srgbClr val="A4A3A4"/>
@@ -180,7 +181,7 @@
       </p15:sldGuideLst>
     </p:ext>
     <p:ext uri="{2D200454-40CA-4A62-9FC3-DE9A4176ACB9}">
-      <p15:notesGuideLst xmlns="" xmlns:p15="http://schemas.microsoft.com/office/powerpoint/2012/main">
+      <p15:notesGuideLst xmlns:p15="http://schemas.microsoft.com/office/powerpoint/2012/main">
         <p15:guide id="1" orient="horz" pos="2880">
           <p15:clr>
             <a:srgbClr val="A4A3A4"/>
@@ -280,7 +281,7 @@
             <a:fld id="{051F21D3-01E8-4102-B608-8A6B50B6B27E}" type="datetimeFigureOut">
               <a:rPr lang="zh-CN" altLang="en-US" smtClean="0"/>
               <a:pPr/>
-              <a:t>2017/10/18</a:t>
+              <a:t>2017/11/10</a:t>
             </a:fld>
             <a:endParaRPr lang="zh-CN" altLang="en-US"/>
           </a:p>
@@ -447,7 +448,7 @@
             <a:fld id="{B6083D17-2EF0-43BD-97E4-BB7AF5A7BF42}" type="datetimeFigureOut">
               <a:rPr lang="zh-CN" altLang="en-US" smtClean="0"/>
               <a:pPr/>
-              <a:t>2017/10/18</a:t>
+              <a:t>2017/11/10</a:t>
             </a:fld>
             <a:endParaRPr lang="zh-CN" altLang="en-US"/>
           </a:p>
@@ -7659,7 +7660,7 @@
       </p:grpSpPr>
       <p:sp>
         <p:nvSpPr>
-          <p:cNvPr id="4098" name="标题 1"/>
+          <p:cNvPr id="2" name="标题 1"/>
           <p:cNvSpPr>
             <a:spLocks noGrp="1"/>
           </p:cNvSpPr>
@@ -7673,17 +7674,16 @@
           <a:lstStyle/>
           <a:p>
             <a:r>
-              <a:rPr lang="zh-CN" altLang="en-US" dirty="0" smtClean="0">
-                <a:ea typeface="宋体" pitchFamily="2" charset="-122"/>
-              </a:rPr>
-              <a:t>三、例题</a:t>
-            </a:r>
-          </a:p>
-        </p:txBody>
-      </p:sp>
-      <p:sp>
-        <p:nvSpPr>
-          <p:cNvPr id="4099" name="内容占位符 2"/>
+              <a:rPr lang="zh-CN" altLang="en-US" dirty="0" smtClean="0"/>
+              <a:t>相关文档</a:t>
+            </a:r>
+            <a:endParaRPr lang="zh-CN" altLang="en-US" dirty="0"/>
+          </a:p>
+        </p:txBody>
+      </p:sp>
+      <p:sp>
+        <p:nvSpPr>
+          <p:cNvPr id="3" name="内容占位符 2"/>
           <p:cNvSpPr>
             <a:spLocks noGrp="1"/>
           </p:cNvSpPr>
@@ -7691,195 +7691,70 @@
             <p:ph idx="1"/>
           </p:nvPr>
         </p:nvSpPr>
-        <p:spPr>
-          <a:xfrm>
-            <a:off x="457200" y="1076325"/>
-            <a:ext cx="8329642" cy="5248275"/>
-          </a:xfrm>
-        </p:spPr>
+        <p:spPr/>
         <p:txBody>
           <a:bodyPr/>
           <a:lstStyle/>
           <a:p>
             <a:r>
-              <a:rPr lang="zh-CN" altLang="en-US" dirty="0" smtClean="0"/>
-              <a:t>例：</a:t>
+              <a:rPr lang="zh-CN" altLang="en-US" dirty="0"/>
+              <a:t>字符串匹配的</a:t>
             </a:r>
             <a:r>
               <a:rPr lang="en-US" altLang="zh-CN" dirty="0"/>
-              <a:t> </a:t>
-            </a:r>
-            <a:r>
-              <a:rPr lang="zh-CN" altLang="zh-CN" dirty="0" smtClean="0"/>
-              <a:t>周期</a:t>
-            </a:r>
-            <a:r>
-              <a:rPr lang="zh-CN" altLang="zh-CN" dirty="0"/>
-              <a:t>串</a:t>
-            </a:r>
-          </a:p>
-          <a:p>
-            <a:pPr marL="0" indent="0">
-              <a:buNone/>
-            </a:pPr>
-            <a:r>
-              <a:rPr lang="zh-CN" altLang="zh-CN" dirty="0"/>
-              <a:t>输入的第一行是待处理字符串的长度，第二行是待处理的字符串。从待处理字符串的第二个字符开始，看前面的子串是不是循环串，是的话就输出此时的位置，和循环串的周期，周期必须大于</a:t>
-            </a:r>
+              <a:t>KMP</a:t>
+            </a:r>
+            <a:r>
+              <a:rPr lang="zh-CN" altLang="en-US" dirty="0"/>
+              <a:t>算法</a:t>
+            </a:r>
+          </a:p>
+          <a:p>
+            <a:pPr lvl="1"/>
             <a:r>
               <a:rPr lang="en-US" altLang="zh-CN" dirty="0"/>
-              <a:t>1</a:t>
-            </a:r>
-            <a:r>
-              <a:rPr lang="zh-CN" altLang="zh-CN" dirty="0"/>
-              <a:t>。</a:t>
-            </a:r>
-          </a:p>
-          <a:p>
-            <a:pPr marL="180000">
-              <a:lnSpc>
-                <a:spcPct val="150000"/>
-              </a:lnSpc>
-              <a:buNone/>
-            </a:pPr>
-            <a:r>
-              <a:rPr lang="en-US" sz="2400" dirty="0" smtClean="0">
-                <a:solidFill>
-                  <a:srgbClr val="0000FF"/>
-                </a:solidFill>
-              </a:rPr>
-              <a:t>  </a:t>
-            </a:r>
-            <a:r>
-              <a:rPr lang="en-US" sz="2400" u="sng" dirty="0" smtClean="0">
-                <a:solidFill>
-                  <a:srgbClr val="0000FF"/>
-                </a:solidFill>
-                <a:hlinkClick r:id="rId2"/>
-              </a:rPr>
-              <a:t>http://acm.hdu.edu.cn/showproblem.php?pid=1358</a:t>
-            </a:r>
-            <a:endParaRPr lang="en-US" sz="2400" u="sng" dirty="0" smtClean="0">
-              <a:solidFill>
-                <a:srgbClr val="0000FF"/>
-              </a:solidFill>
-            </a:endParaRPr>
-          </a:p>
-          <a:p>
-            <a:pPr marL="180000">
-              <a:lnSpc>
-                <a:spcPct val="150000"/>
-              </a:lnSpc>
-              <a:buNone/>
-            </a:pPr>
-            <a:r>
-              <a:rPr lang="zh-CN" altLang="en-US" dirty="0" smtClean="0"/>
-              <a:t>可以利用</a:t>
-            </a:r>
+              <a:t>http://www.ruanyifeng.com/blog/2013/05/Knuth%E2%80%93Morris%E2%80%93Pratt_algorithm.html</a:t>
+            </a:r>
+            <a:endParaRPr lang="en-US" altLang="zh-CN" dirty="0" smtClean="0"/>
+          </a:p>
+          <a:p>
+            <a:r>
+              <a:rPr lang="zh-CN" altLang="en-US" b="1" dirty="0"/>
+              <a:t>从有限状态自动机的角度理解</a:t>
+            </a:r>
+            <a:r>
+              <a:rPr lang="en-US" altLang="zh-CN" b="1" dirty="0"/>
+              <a:t>KMP</a:t>
+            </a:r>
+            <a:r>
+              <a:rPr lang="zh-CN" altLang="en-US" b="1" dirty="0"/>
+              <a:t>算法</a:t>
+            </a:r>
+          </a:p>
+          <a:p>
+            <a:pPr lvl="1"/>
             <a:r>
               <a:rPr lang="en-US" altLang="zh-CN" dirty="0" smtClean="0"/>
-              <a:t>next</a:t>
-            </a:r>
-            <a:r>
-              <a:rPr lang="zh-CN" altLang="en-US" dirty="0" smtClean="0"/>
-              <a:t>数组的性质求解，代码</a:t>
-            </a:r>
-            <a:r>
-              <a:rPr lang="zh-CN" altLang="en-US" dirty="0"/>
-              <a:t>如下：</a:t>
-            </a:r>
-            <a:endParaRPr lang="en-US" altLang="zh-CN" dirty="0"/>
-          </a:p>
-        </p:txBody>
-      </p:sp>
-      <p:sp>
-        <p:nvSpPr>
-          <p:cNvPr id="1026" name="Rectangle 2"/>
-          <p:cNvSpPr>
-            <a:spLocks noChangeArrowheads="1"/>
-          </p:cNvSpPr>
-          <p:nvPr/>
-        </p:nvSpPr>
-        <p:spPr bwMode="auto">
-          <a:xfrm>
-            <a:off x="0" y="0"/>
-            <a:ext cx="9144000" cy="0"/>
-          </a:xfrm>
-          <a:prstGeom prst="rect">
-            <a:avLst/>
-          </a:prstGeom>
-          <a:noFill/>
-          <a:ln w="9525">
-            <a:noFill/>
-            <a:miter lim="800000"/>
-            <a:headEnd/>
-            <a:tailEnd/>
-          </a:ln>
-          <a:effectLst/>
-        </p:spPr>
-        <p:txBody>
-          <a:bodyPr vert="horz" wrap="none" lIns="91440" tIns="45720" rIns="91440" bIns="45720" numCol="1" anchor="ctr" anchorCtr="0" compatLnSpc="1">
-            <a:prstTxWarp prst="textNoShape">
-              <a:avLst/>
-            </a:prstTxWarp>
-            <a:spAutoFit/>
-          </a:bodyPr>
-          <a:lstStyle/>
-          <a:p>
-            <a:endParaRPr lang="zh-CN" altLang="en-US"/>
-          </a:p>
-        </p:txBody>
-      </p:sp>
-      <p:sp>
-        <p:nvSpPr>
-          <p:cNvPr id="1028" name="Rectangle 4"/>
-          <p:cNvSpPr>
-            <a:spLocks noChangeArrowheads="1"/>
-          </p:cNvSpPr>
-          <p:nvPr/>
-        </p:nvSpPr>
-        <p:spPr bwMode="auto">
-          <a:xfrm>
-            <a:off x="0" y="0"/>
-            <a:ext cx="9144000" cy="0"/>
-          </a:xfrm>
-          <a:prstGeom prst="rect">
-            <a:avLst/>
-          </a:prstGeom>
-          <a:noFill/>
-          <a:ln w="9525">
-            <a:noFill/>
-            <a:miter lim="800000"/>
-            <a:headEnd/>
-            <a:tailEnd/>
-          </a:ln>
-          <a:effectLst/>
-        </p:spPr>
-        <p:txBody>
-          <a:bodyPr vert="horz" wrap="none" lIns="91440" tIns="45720" rIns="91440" bIns="45720" numCol="1" anchor="ctr" anchorCtr="0" compatLnSpc="1">
-            <a:prstTxWarp prst="textNoShape">
-              <a:avLst/>
-            </a:prstTxWarp>
-            <a:spAutoFit/>
-          </a:bodyPr>
-          <a:lstStyle/>
-          <a:p>
-            <a:endParaRPr lang="zh-CN" altLang="en-US"/>
+              <a:t>https</a:t>
+            </a:r>
+            <a:r>
+              <a:rPr lang="en-US" altLang="zh-CN" dirty="0"/>
+              <a:t>://niuye.info/fms-kmp/</a:t>
+            </a:r>
+            <a:endParaRPr lang="zh-CN" altLang="en-US" dirty="0"/>
           </a:p>
         </p:txBody>
       </p:sp>
     </p:spTree>
+    <p:extLst>
+      <p:ext uri="{BB962C8B-B14F-4D97-AF65-F5344CB8AC3E}">
+        <p14:creationId xmlns:p14="http://schemas.microsoft.com/office/powerpoint/2010/main" val="3775246740"/>
+      </p:ext>
+    </p:extLst>
   </p:cSld>
   <p:clrMapOvr>
     <a:masterClrMapping/>
   </p:clrMapOvr>
-  <p:timing>
-    <p:tnLst>
-      <p:par>
-        <p:cTn id="1" dur="indefinite" restart="never" nodeType="tmRoot"/>
-      </p:par>
-    </p:tnLst>
-  </p:timing>
 </p:sld>
 </file>
 
@@ -7919,7 +7794,7 @@
               <a:rPr lang="zh-CN" altLang="en-US" dirty="0" smtClean="0">
                 <a:ea typeface="宋体" pitchFamily="2" charset="-122"/>
               </a:rPr>
-              <a:t>例题</a:t>
+              <a:t>三、例题</a:t>
             </a:r>
           </a:p>
         </p:txBody>
@@ -7944,56 +7819,94 @@
           <a:bodyPr/>
           <a:lstStyle/>
           <a:p>
+            <a:r>
+              <a:rPr lang="zh-CN" altLang="en-US" dirty="0" smtClean="0"/>
+              <a:t>例：</a:t>
+            </a:r>
+            <a:r>
+              <a:rPr lang="en-US" altLang="zh-CN" dirty="0"/>
+              <a:t> </a:t>
+            </a:r>
+            <a:r>
+              <a:rPr lang="zh-CN" altLang="zh-CN" dirty="0" smtClean="0"/>
+              <a:t>周期</a:t>
+            </a:r>
+            <a:r>
+              <a:rPr lang="zh-CN" altLang="zh-CN" dirty="0"/>
+              <a:t>串</a:t>
+            </a:r>
+          </a:p>
+          <a:p>
             <a:pPr marL="0" indent="0">
               <a:buNone/>
             </a:pPr>
             <a:r>
-              <a:rPr lang="en-US" altLang="zh-CN" sz="2000" dirty="0"/>
-              <a:t>#include "</a:t>
-            </a:r>
-            <a:r>
-              <a:rPr lang="en-US" altLang="zh-CN" sz="2000" dirty="0" err="1"/>
-              <a:t>stdio.h</a:t>
-            </a:r>
-            <a:r>
-              <a:rPr lang="en-US" altLang="zh-CN" sz="2000" dirty="0"/>
-              <a:t>"</a:t>
-            </a:r>
-          </a:p>
-          <a:p>
-            <a:pPr marL="0" indent="0">
-              <a:buNone/>
-            </a:pPr>
-            <a:r>
-              <a:rPr lang="en-US" altLang="zh-CN" sz="2000" dirty="0"/>
-              <a:t>char </a:t>
-            </a:r>
-            <a:r>
-              <a:rPr lang="en-US" altLang="zh-CN" sz="2000" dirty="0" err="1"/>
-              <a:t>str</a:t>
-            </a:r>
-            <a:r>
-              <a:rPr lang="en-US" altLang="zh-CN" sz="2000" dirty="0"/>
-              <a:t>[1000005];</a:t>
-            </a:r>
-          </a:p>
-          <a:p>
-            <a:pPr marL="0" indent="0">
-              <a:buNone/>
-            </a:pPr>
-            <a:r>
-              <a:rPr lang="en-US" altLang="zh-CN" sz="2000" dirty="0" err="1"/>
-              <a:t>int</a:t>
-            </a:r>
-            <a:r>
-              <a:rPr lang="en-US" altLang="zh-CN" sz="2000" dirty="0"/>
-              <a:t> next[1000005]={0</a:t>
-            </a:r>
-            <a:r>
-              <a:rPr lang="en-US" altLang="zh-CN" sz="2000" dirty="0" smtClean="0"/>
-              <a:t>};</a:t>
-            </a:r>
-            <a:endParaRPr lang="en-US" altLang="zh-CN" sz="2000" dirty="0"/>
+              <a:rPr lang="zh-CN" altLang="zh-CN" dirty="0"/>
+              <a:t>输入的第一行是待处理字符串的长度，第二行是待处理的字符串。从待处理字符串的第二个字符开始，看前面的子串是不是循环串，是的话就输出此时的位置，和循环串的周期，周期必须大于</a:t>
+            </a:r>
+            <a:r>
+              <a:rPr lang="en-US" altLang="zh-CN" dirty="0"/>
+              <a:t>1</a:t>
+            </a:r>
+            <a:r>
+              <a:rPr lang="zh-CN" altLang="zh-CN" dirty="0"/>
+              <a:t>。</a:t>
+            </a:r>
+          </a:p>
+          <a:p>
+            <a:pPr marL="180000">
+              <a:lnSpc>
+                <a:spcPct val="150000"/>
+              </a:lnSpc>
+              <a:buNone/>
+            </a:pPr>
+            <a:r>
+              <a:rPr lang="en-US" sz="2400" dirty="0" smtClean="0">
+                <a:solidFill>
+                  <a:srgbClr val="0000FF"/>
+                </a:solidFill>
+              </a:rPr>
+              <a:t>  </a:t>
+            </a:r>
+            <a:r>
+              <a:rPr lang="en-US" sz="2400" u="sng" dirty="0" smtClean="0">
+                <a:solidFill>
+                  <a:srgbClr val="0000FF"/>
+                </a:solidFill>
+                <a:hlinkClick r:id="rId2"/>
+              </a:rPr>
+              <a:t>http://acm.hdu.edu.cn/showproblem.php?pid=1358</a:t>
+            </a:r>
+            <a:endParaRPr lang="en-US" sz="2400" u="sng" dirty="0" smtClean="0">
+              <a:solidFill>
+                <a:srgbClr val="0000FF"/>
+              </a:solidFill>
+            </a:endParaRPr>
+          </a:p>
+          <a:p>
+            <a:pPr marL="180000">
+              <a:lnSpc>
+                <a:spcPct val="150000"/>
+              </a:lnSpc>
+              <a:buNone/>
+            </a:pPr>
+            <a:r>
+              <a:rPr lang="zh-CN" altLang="en-US" dirty="0" smtClean="0"/>
+              <a:t>可以利用</a:t>
+            </a:r>
+            <a:r>
+              <a:rPr lang="en-US" altLang="zh-CN" dirty="0" smtClean="0"/>
+              <a:t>next</a:t>
+            </a:r>
+            <a:r>
+              <a:rPr lang="zh-CN" altLang="en-US" dirty="0" smtClean="0"/>
+              <a:t>数组的性质求解，代码</a:t>
+            </a:r>
+            <a:r>
+              <a:rPr lang="zh-CN" altLang="en-US" dirty="0"/>
+              <a:t>如下：</a:t>
+            </a:r>
+            <a:endParaRPr lang="en-US" altLang="zh-CN" dirty="0"/>
           </a:p>
         </p:txBody>
       </p:sp>
@@ -8074,11 +7987,6 @@
         </p:txBody>
       </p:sp>
     </p:spTree>
-    <p:extLst>
-      <p:ext uri="{BB962C8B-B14F-4D97-AF65-F5344CB8AC3E}">
-        <p14:creationId xmlns:p14="http://schemas.microsoft.com/office/powerpoint/2010/main" val="1983238583"/>
-      </p:ext>
-    </p:extLst>
   </p:cSld>
   <p:clrMapOvr>
     <a:masterClrMapping/>
@@ -8159,15 +8067,15 @@
             </a:pPr>
             <a:r>
               <a:rPr lang="en-US" altLang="zh-CN" sz="2000" dirty="0"/>
-              <a:t>void </a:t>
+              <a:t>#include "</a:t>
             </a:r>
             <a:r>
               <a:rPr lang="en-US" altLang="zh-CN" sz="2000" dirty="0" err="1"/>
-              <a:t>getnext</a:t>
+              <a:t>stdio.h</a:t>
             </a:r>
             <a:r>
               <a:rPr lang="en-US" altLang="zh-CN" sz="2000" dirty="0"/>
-              <a:t>(){</a:t>
+              <a:t>"</a:t>
             </a:r>
           </a:p>
           <a:p>
@@ -8176,188 +8084,34 @@
             </a:pPr>
             <a:r>
               <a:rPr lang="en-US" altLang="zh-CN" sz="2000" dirty="0"/>
-              <a:t>    </a:t>
-            </a:r>
+              <a:t>char </a:t>
+            </a:r>
+            <a:r>
+              <a:rPr lang="en-US" altLang="zh-CN" sz="2000" dirty="0" err="1"/>
+              <a:t>str</a:t>
+            </a:r>
+            <a:r>
+              <a:rPr lang="en-US" altLang="zh-CN" sz="2000" dirty="0"/>
+              <a:t>[1000005];</a:t>
+            </a:r>
+          </a:p>
+          <a:p>
+            <a:pPr marL="0" indent="0">
+              <a:buNone/>
+            </a:pPr>
             <a:r>
               <a:rPr lang="en-US" altLang="zh-CN" sz="2000" dirty="0" err="1"/>
               <a:t>int</a:t>
             </a:r>
             <a:r>
               <a:rPr lang="en-US" altLang="zh-CN" sz="2000" dirty="0"/>
-              <a:t> </a:t>
-            </a:r>
-            <a:r>
-              <a:rPr lang="en-US" altLang="zh-CN" sz="2000" dirty="0" err="1"/>
-              <a:t>i</a:t>
-            </a:r>
-            <a:r>
-              <a:rPr lang="en-US" altLang="zh-CN" sz="2000" dirty="0"/>
-              <a:t> = 0,j = -1;</a:t>
-            </a:r>
-          </a:p>
-          <a:p>
-            <a:pPr marL="0" indent="0">
-              <a:buNone/>
-            </a:pPr>
-            <a:r>
-              <a:rPr lang="en-US" altLang="zh-CN" sz="2000" dirty="0"/>
-              <a:t>    next[0] = -1;</a:t>
-            </a:r>
-          </a:p>
-          <a:p>
-            <a:pPr marL="0" indent="0">
-              <a:buNone/>
-            </a:pPr>
-            <a:r>
-              <a:rPr lang="en-US" altLang="zh-CN" sz="2000" dirty="0"/>
-              <a:t>    while (</a:t>
-            </a:r>
-            <a:r>
-              <a:rPr lang="en-US" altLang="zh-CN" sz="2000" dirty="0" err="1"/>
-              <a:t>str</a:t>
-            </a:r>
-            <a:r>
-              <a:rPr lang="en-US" altLang="zh-CN" sz="2000" dirty="0"/>
-              <a:t>[</a:t>
-            </a:r>
-            <a:r>
-              <a:rPr lang="en-US" altLang="zh-CN" sz="2000" dirty="0" err="1"/>
-              <a:t>i</a:t>
-            </a:r>
-            <a:r>
-              <a:rPr lang="en-US" altLang="zh-CN" sz="2000" dirty="0"/>
-              <a:t>]){</a:t>
-            </a:r>
-          </a:p>
-          <a:p>
-            <a:pPr marL="0" indent="0">
-              <a:buNone/>
-            </a:pPr>
-            <a:r>
-              <a:rPr lang="en-US" altLang="zh-CN" sz="2000" dirty="0"/>
-              <a:t>        if(j == -1 || </a:t>
-            </a:r>
-            <a:r>
-              <a:rPr lang="en-US" altLang="zh-CN" sz="2000" dirty="0" err="1"/>
-              <a:t>str</a:t>
-            </a:r>
-            <a:r>
-              <a:rPr lang="en-US" altLang="zh-CN" sz="2000" dirty="0"/>
-              <a:t>[</a:t>
-            </a:r>
-            <a:r>
-              <a:rPr lang="en-US" altLang="zh-CN" sz="2000" dirty="0" err="1"/>
-              <a:t>i</a:t>
-            </a:r>
-            <a:r>
-              <a:rPr lang="en-US" altLang="zh-CN" sz="2000" dirty="0"/>
-              <a:t>] == </a:t>
-            </a:r>
-            <a:r>
-              <a:rPr lang="en-US" altLang="zh-CN" sz="2000" dirty="0" err="1"/>
-              <a:t>str</a:t>
-            </a:r>
-            <a:r>
-              <a:rPr lang="en-US" altLang="zh-CN" sz="2000" dirty="0"/>
-              <a:t>[j]){</a:t>
-            </a:r>
-          </a:p>
-          <a:p>
-            <a:pPr marL="0" indent="0">
-              <a:buNone/>
-            </a:pPr>
-            <a:r>
-              <a:rPr lang="en-US" altLang="zh-CN" sz="2000" dirty="0"/>
-              <a:t>            </a:t>
-            </a:r>
-            <a:r>
-              <a:rPr lang="en-US" altLang="zh-CN" sz="2000" dirty="0" err="1"/>
-              <a:t>i</a:t>
-            </a:r>
-            <a:r>
-              <a:rPr lang="en-US" altLang="zh-CN" sz="2000" dirty="0"/>
-              <a:t>++;</a:t>
-            </a:r>
-          </a:p>
-          <a:p>
-            <a:pPr marL="0" indent="0">
-              <a:buNone/>
-            </a:pPr>
-            <a:r>
-              <a:rPr lang="en-US" altLang="zh-CN" sz="2000" dirty="0"/>
-              <a:t>            </a:t>
-            </a:r>
-            <a:r>
-              <a:rPr lang="en-US" altLang="zh-CN" sz="2000" dirty="0" err="1"/>
-              <a:t>j++</a:t>
-            </a:r>
-            <a:r>
-              <a:rPr lang="en-US" altLang="zh-CN" sz="2000" dirty="0"/>
-              <a:t>;</a:t>
-            </a:r>
-          </a:p>
-          <a:p>
-            <a:pPr marL="0" indent="0">
-              <a:buNone/>
-            </a:pPr>
-            <a:r>
-              <a:rPr lang="en-US" altLang="zh-CN" sz="2000" dirty="0"/>
-              <a:t>            next[</a:t>
-            </a:r>
-            <a:r>
-              <a:rPr lang="en-US" altLang="zh-CN" sz="2000" dirty="0" err="1"/>
-              <a:t>i</a:t>
-            </a:r>
-            <a:r>
-              <a:rPr lang="en-US" altLang="zh-CN" sz="2000" dirty="0"/>
-              <a:t>] = j; </a:t>
-            </a:r>
-          </a:p>
-          <a:p>
-            <a:pPr marL="0" indent="0">
-              <a:buNone/>
-            </a:pPr>
-            <a:r>
-              <a:rPr lang="en-US" altLang="zh-CN" sz="2000" dirty="0"/>
-              <a:t>        }</a:t>
-            </a:r>
-          </a:p>
-          <a:p>
-            <a:pPr marL="0" indent="0">
-              <a:buNone/>
-            </a:pPr>
-            <a:r>
-              <a:rPr lang="en-US" altLang="zh-CN" sz="2000" dirty="0"/>
-              <a:t>        else</a:t>
-            </a:r>
-          </a:p>
-          <a:p>
-            <a:pPr marL="0" indent="0">
-              <a:buNone/>
-            </a:pPr>
-            <a:r>
-              <a:rPr lang="en-US" altLang="zh-CN" sz="2000" dirty="0"/>
-              <a:t>        j = next[j];</a:t>
-            </a:r>
-          </a:p>
-          <a:p>
-            <a:pPr marL="0" indent="0">
-              <a:buNone/>
-            </a:pPr>
-            <a:r>
-              <a:rPr lang="en-US" altLang="zh-CN" sz="2000" dirty="0"/>
-              <a:t>    }</a:t>
-            </a:r>
-          </a:p>
-          <a:p>
-            <a:pPr marL="0" indent="0">
-              <a:buNone/>
-            </a:pPr>
-            <a:r>
-              <a:rPr lang="en-US" altLang="zh-CN" sz="2000" dirty="0"/>
-              <a:t>}</a:t>
-            </a:r>
-            <a:endParaRPr lang="zh-CN" altLang="zh-CN" sz="2000" dirty="0"/>
+              <a:t> next[1000005]={0</a:t>
+            </a:r>
+            <a:r>
+              <a:rPr lang="en-US" altLang="zh-CN" sz="2000" dirty="0" smtClean="0"/>
+              <a:t>};</a:t>
+            </a:r>
+            <a:endParaRPr lang="en-US" altLang="zh-CN" sz="2000" dirty="0"/>
           </a:p>
         </p:txBody>
       </p:sp>
@@ -8518,10 +8272,7 @@
           <a:bodyPr/>
           <a:lstStyle/>
           <a:p>
-            <a:pPr marL="180000">
-              <a:lnSpc>
-                <a:spcPts val="3400"/>
-              </a:lnSpc>
+            <a:pPr marL="0" indent="0">
               <a:buNone/>
             </a:pPr>
             <a:r>
@@ -8530,19 +8281,15 @@
             </a:r>
             <a:r>
               <a:rPr lang="en-US" altLang="zh-CN" sz="2000" dirty="0" err="1"/>
-              <a:t>kmp</a:t>
-            </a:r>
-            <a:r>
-              <a:rPr lang="en-US" altLang="zh-CN" sz="2000" dirty="0" smtClean="0"/>
+              <a:t>getnext</a:t>
+            </a:r>
+            <a:r>
+              <a:rPr lang="en-US" altLang="zh-CN" sz="2000" dirty="0"/>
               <a:t>(){</a:t>
             </a:r>
-            <a:endParaRPr lang="en-US" altLang="zh-CN" sz="2000" dirty="0"/>
-          </a:p>
-          <a:p>
-            <a:pPr marL="180000">
-              <a:lnSpc>
-                <a:spcPts val="3400"/>
-              </a:lnSpc>
+          </a:p>
+          <a:p>
+            <a:pPr marL="0" indent="0">
               <a:buNone/>
             </a:pPr>
             <a:r>
@@ -8559,7 +8306,108 @@
             </a:r>
             <a:r>
               <a:rPr lang="en-US" altLang="zh-CN" sz="2000" dirty="0" err="1"/>
-              <a:t>i,t</a:t>
+              <a:t>i</a:t>
+            </a:r>
+            <a:r>
+              <a:rPr lang="en-US" altLang="zh-CN" sz="2000" dirty="0"/>
+              <a:t> = 0,j = -1;</a:t>
+            </a:r>
+          </a:p>
+          <a:p>
+            <a:pPr marL="0" indent="0">
+              <a:buNone/>
+            </a:pPr>
+            <a:r>
+              <a:rPr lang="en-US" altLang="zh-CN" sz="2000" dirty="0"/>
+              <a:t>    next[0] = -1;</a:t>
+            </a:r>
+          </a:p>
+          <a:p>
+            <a:pPr marL="0" indent="0">
+              <a:buNone/>
+            </a:pPr>
+            <a:r>
+              <a:rPr lang="en-US" altLang="zh-CN" sz="2000" dirty="0"/>
+              <a:t>    while (</a:t>
+            </a:r>
+            <a:r>
+              <a:rPr lang="en-US" altLang="zh-CN" sz="2000" dirty="0" err="1"/>
+              <a:t>str</a:t>
+            </a:r>
+            <a:r>
+              <a:rPr lang="en-US" altLang="zh-CN" sz="2000" dirty="0"/>
+              <a:t>[</a:t>
+            </a:r>
+            <a:r>
+              <a:rPr lang="en-US" altLang="zh-CN" sz="2000" dirty="0" err="1"/>
+              <a:t>i</a:t>
+            </a:r>
+            <a:r>
+              <a:rPr lang="en-US" altLang="zh-CN" sz="2000" dirty="0"/>
+              <a:t>]){</a:t>
+            </a:r>
+          </a:p>
+          <a:p>
+            <a:pPr marL="0" indent="0">
+              <a:buNone/>
+            </a:pPr>
+            <a:r>
+              <a:rPr lang="en-US" altLang="zh-CN" sz="2000" dirty="0"/>
+              <a:t>        if(j == -1 || </a:t>
+            </a:r>
+            <a:r>
+              <a:rPr lang="en-US" altLang="zh-CN" sz="2000" dirty="0" err="1"/>
+              <a:t>str</a:t>
+            </a:r>
+            <a:r>
+              <a:rPr lang="en-US" altLang="zh-CN" sz="2000" dirty="0"/>
+              <a:t>[</a:t>
+            </a:r>
+            <a:r>
+              <a:rPr lang="en-US" altLang="zh-CN" sz="2000" dirty="0" err="1"/>
+              <a:t>i</a:t>
+            </a:r>
+            <a:r>
+              <a:rPr lang="en-US" altLang="zh-CN" sz="2000" dirty="0"/>
+              <a:t>] == </a:t>
+            </a:r>
+            <a:r>
+              <a:rPr lang="en-US" altLang="zh-CN" sz="2000" dirty="0" err="1"/>
+              <a:t>str</a:t>
+            </a:r>
+            <a:r>
+              <a:rPr lang="en-US" altLang="zh-CN" sz="2000" dirty="0"/>
+              <a:t>[j]){</a:t>
+            </a:r>
+          </a:p>
+          <a:p>
+            <a:pPr marL="0" indent="0">
+              <a:buNone/>
+            </a:pPr>
+            <a:r>
+              <a:rPr lang="en-US" altLang="zh-CN" sz="2000" dirty="0"/>
+              <a:t>            </a:t>
+            </a:r>
+            <a:r>
+              <a:rPr lang="en-US" altLang="zh-CN" sz="2000" dirty="0" err="1"/>
+              <a:t>i</a:t>
+            </a:r>
+            <a:r>
+              <a:rPr lang="en-US" altLang="zh-CN" sz="2000" dirty="0"/>
+              <a:t>++;</a:t>
+            </a:r>
+          </a:p>
+          <a:p>
+            <a:pPr marL="0" indent="0">
+              <a:buNone/>
+            </a:pPr>
+            <a:r>
+              <a:rPr lang="en-US" altLang="zh-CN" sz="2000" dirty="0"/>
+              <a:t>            </a:t>
+            </a:r>
+            <a:r>
+              <a:rPr lang="en-US" altLang="zh-CN" sz="2000" dirty="0" err="1"/>
+              <a:t>j++</a:t>
             </a:r>
             <a:r>
               <a:rPr lang="en-US" altLang="zh-CN" sz="2000" dirty="0"/>
@@ -8567,15 +8415,12 @@
             </a:r>
           </a:p>
           <a:p>
-            <a:pPr marL="180000">
-              <a:lnSpc>
-                <a:spcPts val="3400"/>
-              </a:lnSpc>
+            <a:pPr marL="0" indent="0">
               <a:buNone/>
             </a:pPr>
             <a:r>
               <a:rPr lang="en-US" altLang="zh-CN" sz="2000" dirty="0"/>
-              <a:t>    for(</a:t>
+              <a:t>            next[</a:t>
             </a:r>
             <a:r>
               <a:rPr lang="en-US" altLang="zh-CN" sz="2000" dirty="0" err="1"/>
@@ -8583,107 +8428,38 @@
             </a:r>
             <a:r>
               <a:rPr lang="en-US" altLang="zh-CN" sz="2000" dirty="0"/>
-              <a:t> = 2;str[i-1];</a:t>
-            </a:r>
-            <a:r>
-              <a:rPr lang="en-US" altLang="zh-CN" sz="2000" dirty="0" err="1"/>
-              <a:t>i</a:t>
-            </a:r>
-            <a:r>
-              <a:rPr lang="en-US" altLang="zh-CN" sz="2000" dirty="0" smtClean="0"/>
-              <a:t>++){</a:t>
-            </a:r>
-            <a:endParaRPr lang="en-US" altLang="zh-CN" sz="2000" dirty="0"/>
-          </a:p>
-          <a:p>
-            <a:pPr marL="180000">
-              <a:lnSpc>
-                <a:spcPts val="3400"/>
-              </a:lnSpc>
+              <a:t>] = j; </a:t>
+            </a:r>
+          </a:p>
+          <a:p>
+            <a:pPr marL="0" indent="0">
               <a:buNone/>
             </a:pPr>
             <a:r>
               <a:rPr lang="en-US" altLang="zh-CN" sz="2000" dirty="0"/>
-              <a:t>        t = </a:t>
-            </a:r>
-            <a:r>
-              <a:rPr lang="en-US" altLang="zh-CN" sz="2000" dirty="0" err="1"/>
-              <a:t>i</a:t>
-            </a:r>
+              <a:t>        }</a:t>
+            </a:r>
+          </a:p>
+          <a:p>
+            <a:pPr marL="0" indent="0">
+              <a:buNone/>
+            </a:pPr>
             <a:r>
               <a:rPr lang="en-US" altLang="zh-CN" sz="2000" dirty="0"/>
-              <a:t>-next[</a:t>
-            </a:r>
-            <a:r>
-              <a:rPr lang="en-US" altLang="zh-CN" sz="2000" dirty="0" err="1"/>
-              <a:t>i</a:t>
-            </a:r>
+              <a:t>        else</a:t>
+            </a:r>
+          </a:p>
+          <a:p>
+            <a:pPr marL="0" indent="0">
+              <a:buNone/>
+            </a:pPr>
             <a:r>
               <a:rPr lang="en-US" altLang="zh-CN" sz="2000" dirty="0"/>
-              <a:t>];</a:t>
-            </a:r>
-          </a:p>
-          <a:p>
-            <a:pPr marL="180000">
-              <a:lnSpc>
-                <a:spcPts val="3400"/>
-              </a:lnSpc>
-              <a:buNone/>
-            </a:pPr>
-            <a:r>
-              <a:rPr lang="en-US" altLang="zh-CN" sz="2000" dirty="0"/>
-              <a:t>        if(</a:t>
-            </a:r>
-            <a:r>
-              <a:rPr lang="en-US" altLang="zh-CN" sz="2000" dirty="0" err="1"/>
-              <a:t>i%t</a:t>
-            </a:r>
-            <a:r>
-              <a:rPr lang="en-US" altLang="zh-CN" sz="2000" dirty="0"/>
-              <a:t> == 0 &amp;&amp; </a:t>
-            </a:r>
-            <a:r>
-              <a:rPr lang="en-US" altLang="zh-CN" sz="2000" dirty="0" err="1"/>
-              <a:t>i</a:t>
-            </a:r>
-            <a:r>
-              <a:rPr lang="en-US" altLang="zh-CN" sz="2000" dirty="0"/>
-              <a:t>/t&gt;1)</a:t>
-            </a:r>
-          </a:p>
-          <a:p>
-            <a:pPr marL="180000">
-              <a:lnSpc>
-                <a:spcPts val="3400"/>
-              </a:lnSpc>
-              <a:buNone/>
-            </a:pPr>
-            <a:r>
-              <a:rPr lang="en-US" altLang="zh-CN" sz="2000" dirty="0"/>
-              <a:t>        </a:t>
-            </a:r>
-            <a:r>
-              <a:rPr lang="en-US" altLang="zh-CN" sz="2000" dirty="0" err="1"/>
-              <a:t>printf</a:t>
-            </a:r>
-            <a:r>
-              <a:rPr lang="en-US" altLang="zh-CN" sz="2000" dirty="0"/>
-              <a:t>("%d %d\n",</a:t>
-            </a:r>
-            <a:r>
-              <a:rPr lang="en-US" altLang="zh-CN" sz="2000" dirty="0" err="1"/>
-              <a:t>i,i</a:t>
-            </a:r>
-            <a:r>
-              <a:rPr lang="en-US" altLang="zh-CN" sz="2000" dirty="0"/>
-              <a:t>/t);</a:t>
-            </a:r>
-          </a:p>
-          <a:p>
-            <a:pPr marL="180000">
-              <a:lnSpc>
-                <a:spcPts val="3400"/>
-              </a:lnSpc>
+              <a:t>        j = next[j];</a:t>
+            </a:r>
+          </a:p>
+          <a:p>
+            <a:pPr marL="0" indent="0">
               <a:buNone/>
             </a:pPr>
             <a:r>
@@ -8692,16 +8468,14 @@
             </a:r>
           </a:p>
           <a:p>
-            <a:pPr marL="180000">
-              <a:lnSpc>
-                <a:spcPts val="3400"/>
-              </a:lnSpc>
-              <a:buNone/>
-            </a:pPr>
-            <a:r>
-              <a:rPr lang="en-US" altLang="zh-CN" sz="2000" dirty="0" smtClean="0"/>
+            <a:pPr marL="0" indent="0">
+              <a:buNone/>
+            </a:pPr>
+            <a:r>
+              <a:rPr lang="en-US" altLang="zh-CN" sz="2000" dirty="0"/>
               <a:t>}</a:t>
             </a:r>
+            <a:endParaRPr lang="zh-CN" altLang="zh-CN" sz="2000" dirty="0"/>
           </a:p>
         </p:txBody>
       </p:sp>
@@ -8784,7 +8558,7 @@
     </p:spTree>
     <p:extLst>
       <p:ext uri="{BB962C8B-B14F-4D97-AF65-F5344CB8AC3E}">
-        <p14:creationId xmlns:p14="http://schemas.microsoft.com/office/powerpoint/2010/main" val="3896125756"/>
+        <p14:creationId xmlns:p14="http://schemas.microsoft.com/office/powerpoint/2010/main" val="1983238583"/>
       </p:ext>
     </p:extLst>
   </p:cSld>
@@ -8869,12 +8643,12 @@
               <a:buNone/>
             </a:pPr>
             <a:r>
+              <a:rPr lang="en-US" altLang="zh-CN" sz="2000" dirty="0"/>
+              <a:t>void </a:t>
+            </a:r>
+            <a:r>
               <a:rPr lang="en-US" altLang="zh-CN" sz="2000" dirty="0" err="1"/>
-              <a:t>int</a:t>
-            </a:r>
-            <a:r>
-              <a:rPr lang="en-US" altLang="zh-CN" sz="2000" dirty="0"/>
-              <a:t> main</a:t>
+              <a:t>kmp</a:t>
             </a:r>
             <a:r>
               <a:rPr lang="en-US" altLang="zh-CN" sz="2000" dirty="0" smtClean="0"/>
@@ -8903,11 +8677,11 @@
             </a:r>
             <a:r>
               <a:rPr lang="en-US" altLang="zh-CN" sz="2000" dirty="0" err="1"/>
-              <a:t>n,cnt</a:t>
+              <a:t>i,t</a:t>
             </a:r>
             <a:r>
               <a:rPr lang="en-US" altLang="zh-CN" sz="2000" dirty="0"/>
-              <a:t> = 1;</a:t>
+              <a:t>;</a:t>
             </a:r>
           </a:p>
           <a:p>
@@ -8919,27 +8693,23 @@
             </a:pPr>
             <a:r>
               <a:rPr lang="en-US" altLang="zh-CN" sz="2000" dirty="0"/>
-              <a:t>    while(</a:t>
+              <a:t>    for(</a:t>
             </a:r>
             <a:r>
               <a:rPr lang="en-US" altLang="zh-CN" sz="2000" dirty="0" err="1"/>
-              <a:t>scanf</a:t>
+              <a:t>i</a:t>
             </a:r>
             <a:r>
               <a:rPr lang="en-US" altLang="zh-CN" sz="2000" dirty="0"/>
-              <a:t>("%</a:t>
+              <a:t> = 2;str[i-1];</a:t>
             </a:r>
             <a:r>
               <a:rPr lang="en-US" altLang="zh-CN" sz="2000" dirty="0" err="1"/>
-              <a:t>d",&amp;n</a:t>
-            </a:r>
-            <a:r>
-              <a:rPr lang="en-US" altLang="zh-CN" sz="2000" dirty="0"/>
-              <a:t>)!=EOF &amp;&amp; n</a:t>
+              <a:t>i</a:t>
             </a:r>
             <a:r>
               <a:rPr lang="en-US" altLang="zh-CN" sz="2000" dirty="0" smtClean="0"/>
-              <a:t>){</a:t>
+              <a:t>++){</a:t>
             </a:r>
             <a:endParaRPr lang="en-US" altLang="zh-CN" sz="2000" dirty="0"/>
           </a:p>
@@ -8952,23 +8722,23 @@
             </a:pPr>
             <a:r>
               <a:rPr lang="en-US" altLang="zh-CN" sz="2000" dirty="0"/>
-              <a:t>        </a:t>
+              <a:t>        t = </a:t>
             </a:r>
             <a:r>
               <a:rPr lang="en-US" altLang="zh-CN" sz="2000" dirty="0" err="1"/>
-              <a:t>scanf</a:t>
+              <a:t>i</a:t>
             </a:r>
             <a:r>
               <a:rPr lang="en-US" altLang="zh-CN" sz="2000" dirty="0"/>
-              <a:t>("%s",</a:t>
+              <a:t>-next[</a:t>
             </a:r>
             <a:r>
               <a:rPr lang="en-US" altLang="zh-CN" sz="2000" dirty="0" err="1"/>
-              <a:t>str</a:t>
+              <a:t>i</a:t>
             </a:r>
             <a:r>
               <a:rPr lang="en-US" altLang="zh-CN" sz="2000" dirty="0"/>
-              <a:t>);</a:t>
+              <a:t>];</a:t>
             </a:r>
           </a:p>
           <a:p>
@@ -8980,23 +8750,23 @@
             </a:pPr>
             <a:r>
               <a:rPr lang="en-US" altLang="zh-CN" sz="2000" dirty="0"/>
-              <a:t>        </a:t>
+              <a:t>        if(</a:t>
             </a:r>
             <a:r>
               <a:rPr lang="en-US" altLang="zh-CN" sz="2000" dirty="0" err="1"/>
-              <a:t>printf</a:t>
+              <a:t>i%t</a:t>
             </a:r>
             <a:r>
               <a:rPr lang="en-US" altLang="zh-CN" sz="2000" dirty="0"/>
-              <a:t>("Test case #%d\n",</a:t>
+              <a:t> == 0 &amp;&amp; </a:t>
             </a:r>
             <a:r>
               <a:rPr lang="en-US" altLang="zh-CN" sz="2000" dirty="0" err="1"/>
-              <a:t>cnt</a:t>
+              <a:t>i</a:t>
             </a:r>
             <a:r>
               <a:rPr lang="en-US" altLang="zh-CN" sz="2000" dirty="0"/>
-              <a:t>++);</a:t>
+              <a:t>/t&gt;1)</a:t>
             </a:r>
           </a:p>
           <a:p>
@@ -9012,11 +8782,19 @@
             </a:r>
             <a:r>
               <a:rPr lang="en-US" altLang="zh-CN" sz="2000" dirty="0" err="1"/>
-              <a:t>getnext</a:t>
+              <a:t>printf</a:t>
             </a:r>
             <a:r>
               <a:rPr lang="en-US" altLang="zh-CN" sz="2000" dirty="0"/>
-              <a:t>();</a:t>
+              <a:t>("%d %d\n",</a:t>
+            </a:r>
+            <a:r>
+              <a:rPr lang="en-US" altLang="zh-CN" sz="2000" dirty="0" err="1"/>
+              <a:t>i,i</a:t>
+            </a:r>
+            <a:r>
+              <a:rPr lang="en-US" altLang="zh-CN" sz="2000" dirty="0"/>
+              <a:t>/t);</a:t>
             </a:r>
           </a:p>
           <a:p>
@@ -9028,15 +8806,7 @@
             </a:pPr>
             <a:r>
               <a:rPr lang="en-US" altLang="zh-CN" sz="2000" dirty="0"/>
-              <a:t>        </a:t>
-            </a:r>
-            <a:r>
-              <a:rPr lang="en-US" altLang="zh-CN" sz="2000" dirty="0" err="1"/>
-              <a:t>kmp</a:t>
-            </a:r>
-            <a:r>
-              <a:rPr lang="en-US" altLang="zh-CN" sz="2000" dirty="0"/>
-              <a:t>();</a:t>
+              <a:t>    }</a:t>
             </a:r>
           </a:p>
           <a:p>
@@ -9047,54 +8817,9 @@
               <a:buNone/>
             </a:pPr>
             <a:r>
-              <a:rPr lang="en-US" altLang="zh-CN" sz="2000" dirty="0"/>
-              <a:t>        </a:t>
-            </a:r>
-            <a:r>
-              <a:rPr lang="en-US" altLang="zh-CN" sz="2000" dirty="0" err="1"/>
-              <a:t>putchar</a:t>
-            </a:r>
-            <a:r>
-              <a:rPr lang="en-US" altLang="zh-CN" sz="2000" dirty="0"/>
-              <a:t>(10);</a:t>
-            </a:r>
-          </a:p>
-          <a:p>
-            <a:pPr marL="180000">
-              <a:lnSpc>
-                <a:spcPts val="3400"/>
-              </a:lnSpc>
-              <a:buNone/>
-            </a:pPr>
-            <a:r>
-              <a:rPr lang="en-US" altLang="zh-CN" sz="2000" dirty="0"/>
-              <a:t>    }</a:t>
-            </a:r>
-          </a:p>
-          <a:p>
-            <a:pPr marL="180000">
-              <a:lnSpc>
-                <a:spcPts val="3400"/>
-              </a:lnSpc>
-              <a:buNone/>
-            </a:pPr>
-            <a:r>
-              <a:rPr lang="en-US" altLang="zh-CN" sz="2000" dirty="0"/>
-              <a:t>    return 0;</a:t>
-            </a:r>
-          </a:p>
-          <a:p>
-            <a:pPr marL="180000">
-              <a:lnSpc>
-                <a:spcPts val="3400"/>
-              </a:lnSpc>
-              <a:buNone/>
-            </a:pPr>
-            <a:r>
-              <a:rPr lang="en-US" altLang="zh-CN" sz="2000" dirty="0"/>
+              <a:rPr lang="en-US" altLang="zh-CN" sz="2000" dirty="0" smtClean="0"/>
               <a:t>}</a:t>
             </a:r>
-            <a:endParaRPr lang="zh-CN" altLang="en-US" sz="2000" dirty="0" smtClean="0"/>
           </a:p>
         </p:txBody>
       </p:sp>
@@ -9177,7 +8902,7 @@
     </p:spTree>
     <p:extLst>
       <p:ext uri="{BB962C8B-B14F-4D97-AF65-F5344CB8AC3E}">
-        <p14:creationId xmlns:p14="http://schemas.microsoft.com/office/powerpoint/2010/main" val="1983238583"/>
+        <p14:creationId xmlns:p14="http://schemas.microsoft.com/office/powerpoint/2010/main" val="3896125756"/>
       </p:ext>
     </p:extLst>
   </p:cSld>
@@ -9213,7 +8938,7 @@
       </p:grpSpPr>
       <p:sp>
         <p:nvSpPr>
-          <p:cNvPr id="2" name="标题 1"/>
+          <p:cNvPr id="4098" name="标题 1"/>
           <p:cNvSpPr>
             <a:spLocks noGrp="1"/>
           </p:cNvSpPr>
@@ -9227,20 +8952,17 @@
           <a:lstStyle/>
           <a:p>
             <a:r>
-              <a:rPr lang="zh-CN" altLang="en-US" dirty="0" smtClean="0"/>
-              <a:t>四、</a:t>
-            </a:r>
-            <a:r>
-              <a:rPr lang="zh-CN" altLang="zh-CN" dirty="0"/>
-              <a:t>练习题</a:t>
-            </a:r>
-            <a:endParaRPr lang="zh-CN" altLang="en-US" dirty="0"/>
-          </a:p>
-        </p:txBody>
-      </p:sp>
-      <p:sp>
-        <p:nvSpPr>
-          <p:cNvPr id="3" name="内容占位符 2"/>
+              <a:rPr lang="zh-CN" altLang="en-US" dirty="0" smtClean="0">
+                <a:ea typeface="宋体" pitchFamily="2" charset="-122"/>
+              </a:rPr>
+              <a:t>例题</a:t>
+            </a:r>
+          </a:p>
+        </p:txBody>
+      </p:sp>
+      <p:sp>
+        <p:nvSpPr>
+          <p:cNvPr id="4099" name="内容占位符 2"/>
           <p:cNvSpPr>
             <a:spLocks noGrp="1"/>
           </p:cNvSpPr>
@@ -9251,110 +8973,329 @@
         <p:spPr>
           <a:xfrm>
             <a:off x="457200" y="1076325"/>
-            <a:ext cx="8401080" cy="5248275"/>
+            <a:ext cx="8329642" cy="5248275"/>
           </a:xfrm>
         </p:spPr>
         <p:txBody>
           <a:bodyPr/>
           <a:lstStyle/>
           <a:p>
-            <a:pPr lvl="0"/>
-            <a:r>
-              <a:rPr lang="zh-CN" altLang="zh-CN" sz="2400" dirty="0" smtClean="0"/>
-              <a:t> </a:t>
-            </a:r>
-            <a:r>
-              <a:rPr lang="zh-CN" altLang="en-US" sz="2400" dirty="0" smtClean="0"/>
-              <a:t>亲和串</a:t>
-            </a:r>
-            <a:endParaRPr lang="en-US" altLang="zh-CN" sz="2400" dirty="0" smtClean="0"/>
-          </a:p>
-          <a:p>
-            <a:pPr marL="0" lvl="0" indent="0">
-              <a:buNone/>
-            </a:pPr>
-            <a:r>
-              <a:rPr lang="en-US" altLang="zh-CN" sz="2400" dirty="0" smtClean="0"/>
-              <a:t>   </a:t>
-            </a:r>
-            <a:r>
-              <a:rPr lang="en-US" altLang="zh-CN" sz="2400" u="sng" dirty="0">
-                <a:solidFill>
-                  <a:srgbClr val="0000FF"/>
-                </a:solidFill>
-                <a:hlinkClick r:id="rId2"/>
-              </a:rPr>
-              <a:t>http</a:t>
-            </a:r>
-            <a:r>
-              <a:rPr lang="en-US" altLang="zh-CN" sz="2400" u="sng">
-                <a:solidFill>
-                  <a:srgbClr val="0000FF"/>
-                </a:solidFill>
-                <a:hlinkClick r:id="rId2"/>
-              </a:rPr>
-              <a:t>://</a:t>
-            </a:r>
-            <a:r>
-              <a:rPr lang="en-US" altLang="zh-CN" sz="2400" u="sng" smtClean="0">
-                <a:solidFill>
-                  <a:srgbClr val="0000FF"/>
-                </a:solidFill>
-                <a:hlinkClick r:id="rId2"/>
-              </a:rPr>
-              <a:t>acm.hdu.edu.cn/showproblem.php?pid=2203</a:t>
-            </a:r>
-            <a:endParaRPr lang="en-US" altLang="zh-CN" sz="2400" dirty="0" smtClean="0"/>
-          </a:p>
-          <a:p>
-            <a:pPr lvl="0"/>
-            <a:r>
-              <a:rPr lang="zh-CN" altLang="en-US" sz="2400" dirty="0" smtClean="0"/>
-              <a:t> 气球升起来</a:t>
-            </a:r>
-            <a:endParaRPr lang="en-US" altLang="zh-CN" sz="2400" dirty="0" smtClean="0"/>
-          </a:p>
-          <a:p>
             <a:pPr marL="180000">
               <a:lnSpc>
-                <a:spcPct val="150000"/>
+                <a:spcPts val="3400"/>
               </a:lnSpc>
               <a:buNone/>
             </a:pPr>
             <a:r>
-              <a:rPr lang="en-US" altLang="zh-CN" sz="2400" dirty="0" smtClean="0"/>
-              <a:t>   </a:t>
-            </a:r>
-            <a:r>
-              <a:rPr lang="en-US" altLang="zh-CN" sz="2400" u="sng" dirty="0">
-                <a:solidFill>
-                  <a:srgbClr val="0000FF"/>
-                </a:solidFill>
-                <a:hlinkClick r:id="rId3"/>
-              </a:rPr>
-              <a:t>http://</a:t>
-            </a:r>
-            <a:r>
-              <a:rPr lang="en-US" altLang="zh-CN" sz="2400" u="sng" dirty="0" smtClean="0">
-                <a:solidFill>
-                  <a:srgbClr val="0000FF"/>
-                </a:solidFill>
-                <a:hlinkClick r:id="rId3"/>
-              </a:rPr>
-              <a:t>acm.hdu.edu.cn/showproblem.php?pid=1004</a:t>
-            </a:r>
-            <a:endParaRPr lang="en-US" altLang="zh-CN" sz="2400" u="sng" dirty="0">
-              <a:solidFill>
-                <a:srgbClr val="0000FF"/>
-              </a:solidFill>
-            </a:endParaRPr>
+              <a:rPr lang="en-US" altLang="zh-CN" sz="2000" dirty="0" err="1"/>
+              <a:t>int</a:t>
+            </a:r>
+            <a:r>
+              <a:rPr lang="en-US" altLang="zh-CN" sz="2000" dirty="0"/>
+              <a:t> main</a:t>
+            </a:r>
+            <a:r>
+              <a:rPr lang="en-US" altLang="zh-CN" sz="2000" dirty="0" smtClean="0"/>
+              <a:t>(){</a:t>
+            </a:r>
+            <a:endParaRPr lang="en-US" altLang="zh-CN" sz="2000" dirty="0"/>
+          </a:p>
+          <a:p>
+            <a:pPr marL="180000">
+              <a:lnSpc>
+                <a:spcPts val="3400"/>
+              </a:lnSpc>
+              <a:buNone/>
+            </a:pPr>
+            <a:r>
+              <a:rPr lang="en-US" altLang="zh-CN" sz="2000" dirty="0"/>
+              <a:t>    </a:t>
+            </a:r>
+            <a:r>
+              <a:rPr lang="en-US" altLang="zh-CN" sz="2000" dirty="0" err="1"/>
+              <a:t>int</a:t>
+            </a:r>
+            <a:r>
+              <a:rPr lang="en-US" altLang="zh-CN" sz="2000" dirty="0"/>
+              <a:t> </a:t>
+            </a:r>
+            <a:r>
+              <a:rPr lang="en-US" altLang="zh-CN" sz="2000" dirty="0" err="1"/>
+              <a:t>n,cnt</a:t>
+            </a:r>
+            <a:r>
+              <a:rPr lang="en-US" altLang="zh-CN" sz="2000" dirty="0"/>
+              <a:t> = 1;</a:t>
+            </a:r>
+          </a:p>
+          <a:p>
+            <a:pPr marL="180000">
+              <a:lnSpc>
+                <a:spcPts val="3400"/>
+              </a:lnSpc>
+              <a:buNone/>
+            </a:pPr>
+            <a:r>
+              <a:rPr lang="en-US" altLang="zh-CN" sz="2000" dirty="0"/>
+              <a:t>    while(</a:t>
+            </a:r>
+            <a:r>
+              <a:rPr lang="en-US" altLang="zh-CN" sz="2000" dirty="0" err="1"/>
+              <a:t>scanf</a:t>
+            </a:r>
+            <a:r>
+              <a:rPr lang="en-US" altLang="zh-CN" sz="2000" dirty="0"/>
+              <a:t>("%</a:t>
+            </a:r>
+            <a:r>
+              <a:rPr lang="en-US" altLang="zh-CN" sz="2000" dirty="0" err="1"/>
+              <a:t>d",&amp;n</a:t>
+            </a:r>
+            <a:r>
+              <a:rPr lang="en-US" altLang="zh-CN" sz="2000" dirty="0"/>
+              <a:t>)!=EOF &amp;&amp; n</a:t>
+            </a:r>
+            <a:r>
+              <a:rPr lang="en-US" altLang="zh-CN" sz="2000" dirty="0" smtClean="0"/>
+              <a:t>){</a:t>
+            </a:r>
+            <a:endParaRPr lang="en-US" altLang="zh-CN" sz="2000" dirty="0"/>
+          </a:p>
+          <a:p>
+            <a:pPr marL="180000">
+              <a:lnSpc>
+                <a:spcPts val="3400"/>
+              </a:lnSpc>
+              <a:buNone/>
+            </a:pPr>
+            <a:r>
+              <a:rPr lang="en-US" altLang="zh-CN" sz="2000" dirty="0"/>
+              <a:t>        </a:t>
+            </a:r>
+            <a:r>
+              <a:rPr lang="en-US" altLang="zh-CN" sz="2000" dirty="0" err="1"/>
+              <a:t>scanf</a:t>
+            </a:r>
+            <a:r>
+              <a:rPr lang="en-US" altLang="zh-CN" sz="2000" dirty="0"/>
+              <a:t>("%s",</a:t>
+            </a:r>
+            <a:r>
+              <a:rPr lang="en-US" altLang="zh-CN" sz="2000" dirty="0" err="1"/>
+              <a:t>str</a:t>
+            </a:r>
+            <a:r>
+              <a:rPr lang="en-US" altLang="zh-CN" sz="2000" dirty="0"/>
+              <a:t>);</a:t>
+            </a:r>
+          </a:p>
+          <a:p>
+            <a:pPr marL="180000">
+              <a:lnSpc>
+                <a:spcPts val="3400"/>
+              </a:lnSpc>
+              <a:buNone/>
+            </a:pPr>
+            <a:r>
+              <a:rPr lang="en-US" altLang="zh-CN" sz="2000" dirty="0"/>
+              <a:t>        </a:t>
+            </a:r>
+            <a:r>
+              <a:rPr lang="en-US" altLang="zh-CN" sz="2000" dirty="0" err="1"/>
+              <a:t>printf</a:t>
+            </a:r>
+            <a:r>
+              <a:rPr lang="en-US" altLang="zh-CN" sz="2000" dirty="0"/>
+              <a:t>("Test case #%d\n",</a:t>
+            </a:r>
+            <a:r>
+              <a:rPr lang="en-US" altLang="zh-CN" sz="2000" dirty="0" err="1"/>
+              <a:t>cnt</a:t>
+            </a:r>
+            <a:r>
+              <a:rPr lang="en-US" altLang="zh-CN" sz="2000" dirty="0"/>
+              <a:t>++);</a:t>
+            </a:r>
+          </a:p>
+          <a:p>
+            <a:pPr marL="180000">
+              <a:lnSpc>
+                <a:spcPts val="3400"/>
+              </a:lnSpc>
+              <a:buNone/>
+            </a:pPr>
+            <a:r>
+              <a:rPr lang="en-US" altLang="zh-CN" sz="2000" dirty="0"/>
+              <a:t>        </a:t>
+            </a:r>
+            <a:r>
+              <a:rPr lang="en-US" altLang="zh-CN" sz="2000" dirty="0" err="1"/>
+              <a:t>getnext</a:t>
+            </a:r>
+            <a:r>
+              <a:rPr lang="en-US" altLang="zh-CN" sz="2000" dirty="0"/>
+              <a:t>();</a:t>
+            </a:r>
+          </a:p>
+          <a:p>
+            <a:pPr marL="180000">
+              <a:lnSpc>
+                <a:spcPts val="3400"/>
+              </a:lnSpc>
+              <a:buNone/>
+            </a:pPr>
+            <a:r>
+              <a:rPr lang="en-US" altLang="zh-CN" sz="2000" dirty="0"/>
+              <a:t>        </a:t>
+            </a:r>
+            <a:r>
+              <a:rPr lang="en-US" altLang="zh-CN" sz="2000" dirty="0" err="1"/>
+              <a:t>kmp</a:t>
+            </a:r>
+            <a:r>
+              <a:rPr lang="en-US" altLang="zh-CN" sz="2000" dirty="0"/>
+              <a:t>();</a:t>
+            </a:r>
+          </a:p>
+          <a:p>
+            <a:pPr marL="180000">
+              <a:lnSpc>
+                <a:spcPts val="3400"/>
+              </a:lnSpc>
+              <a:buNone/>
+            </a:pPr>
+            <a:r>
+              <a:rPr lang="en-US" altLang="zh-CN" sz="2000" dirty="0"/>
+              <a:t>        </a:t>
+            </a:r>
+            <a:r>
+              <a:rPr lang="en-US" altLang="zh-CN" sz="2000" dirty="0" err="1"/>
+              <a:t>putchar</a:t>
+            </a:r>
+            <a:r>
+              <a:rPr lang="en-US" altLang="zh-CN" sz="2000" dirty="0"/>
+              <a:t>(10);</a:t>
+            </a:r>
+          </a:p>
+          <a:p>
+            <a:pPr marL="180000">
+              <a:lnSpc>
+                <a:spcPts val="3400"/>
+              </a:lnSpc>
+              <a:buNone/>
+            </a:pPr>
+            <a:r>
+              <a:rPr lang="en-US" altLang="zh-CN" sz="2000" dirty="0"/>
+              <a:t>    }</a:t>
+            </a:r>
+          </a:p>
+          <a:p>
+            <a:pPr marL="180000">
+              <a:lnSpc>
+                <a:spcPts val="3400"/>
+              </a:lnSpc>
+              <a:buNone/>
+            </a:pPr>
+            <a:r>
+              <a:rPr lang="en-US" altLang="zh-CN" sz="2000" dirty="0"/>
+              <a:t>    return 0;</a:t>
+            </a:r>
+          </a:p>
+          <a:p>
+            <a:pPr marL="180000">
+              <a:lnSpc>
+                <a:spcPts val="3400"/>
+              </a:lnSpc>
+              <a:buNone/>
+            </a:pPr>
+            <a:r>
+              <a:rPr lang="en-US" altLang="zh-CN" sz="2000" dirty="0"/>
+              <a:t>}</a:t>
+            </a:r>
+            <a:endParaRPr lang="zh-CN" altLang="en-US" sz="2000" dirty="0" smtClean="0"/>
+          </a:p>
+        </p:txBody>
+      </p:sp>
+      <p:sp>
+        <p:nvSpPr>
+          <p:cNvPr id="1026" name="Rectangle 2"/>
+          <p:cNvSpPr>
+            <a:spLocks noChangeArrowheads="1"/>
+          </p:cNvSpPr>
+          <p:nvPr/>
+        </p:nvSpPr>
+        <p:spPr bwMode="auto">
+          <a:xfrm>
+            <a:off x="0" y="0"/>
+            <a:ext cx="9144000" cy="0"/>
+          </a:xfrm>
+          <a:prstGeom prst="rect">
+            <a:avLst/>
+          </a:prstGeom>
+          <a:noFill/>
+          <a:ln w="9525">
+            <a:noFill/>
+            <a:miter lim="800000"/>
+            <a:headEnd/>
+            <a:tailEnd/>
+          </a:ln>
+          <a:effectLst/>
+        </p:spPr>
+        <p:txBody>
+          <a:bodyPr vert="horz" wrap="none" lIns="91440" tIns="45720" rIns="91440" bIns="45720" numCol="1" anchor="ctr" anchorCtr="0" compatLnSpc="1">
+            <a:prstTxWarp prst="textNoShape">
+              <a:avLst/>
+            </a:prstTxWarp>
+            <a:spAutoFit/>
+          </a:bodyPr>
+          <a:lstStyle/>
+          <a:p>
+            <a:endParaRPr lang="zh-CN" altLang="en-US"/>
+          </a:p>
+        </p:txBody>
+      </p:sp>
+      <p:sp>
+        <p:nvSpPr>
+          <p:cNvPr id="1028" name="Rectangle 4"/>
+          <p:cNvSpPr>
+            <a:spLocks noChangeArrowheads="1"/>
+          </p:cNvSpPr>
+          <p:nvPr/>
+        </p:nvSpPr>
+        <p:spPr bwMode="auto">
+          <a:xfrm>
+            <a:off x="0" y="0"/>
+            <a:ext cx="9144000" cy="0"/>
+          </a:xfrm>
+          <a:prstGeom prst="rect">
+            <a:avLst/>
+          </a:prstGeom>
+          <a:noFill/>
+          <a:ln w="9525">
+            <a:noFill/>
+            <a:miter lim="800000"/>
+            <a:headEnd/>
+            <a:tailEnd/>
+          </a:ln>
+          <a:effectLst/>
+        </p:spPr>
+        <p:txBody>
+          <a:bodyPr vert="horz" wrap="none" lIns="91440" tIns="45720" rIns="91440" bIns="45720" numCol="1" anchor="ctr" anchorCtr="0" compatLnSpc="1">
+            <a:prstTxWarp prst="textNoShape">
+              <a:avLst/>
+            </a:prstTxWarp>
+            <a:spAutoFit/>
+          </a:bodyPr>
+          <a:lstStyle/>
+          <a:p>
+            <a:endParaRPr lang="zh-CN" altLang="en-US"/>
           </a:p>
         </p:txBody>
       </p:sp>
     </p:spTree>
     <p:extLst>
       <p:ext uri="{BB962C8B-B14F-4D97-AF65-F5344CB8AC3E}">
-        <p14:creationId xmlns:p14="http://schemas.microsoft.com/office/powerpoint/2010/main" val="2438090423"/>
+        <p14:creationId xmlns:p14="http://schemas.microsoft.com/office/powerpoint/2010/main" val="1983238583"/>
       </p:ext>
     </p:extLst>
   </p:cSld>
@@ -9545,6 +9486,183 @@
 </file>
 
 <file path=ppt/slides/slide20.xml><?xml version="1.0" encoding="utf-8"?>
+<p:sld xmlns:a="http://schemas.openxmlformats.org/drawingml/2006/main" xmlns:r="http://schemas.openxmlformats.org/officeDocument/2006/relationships" xmlns:p="http://schemas.openxmlformats.org/presentationml/2006/main">
+  <p:cSld>
+    <p:spTree>
+      <p:nvGrpSpPr>
+        <p:cNvPr id="1" name=""/>
+        <p:cNvGrpSpPr/>
+        <p:nvPr/>
+      </p:nvGrpSpPr>
+      <p:grpSpPr>
+        <a:xfrm>
+          <a:off x="0" y="0"/>
+          <a:ext cx="0" cy="0"/>
+          <a:chOff x="0" y="0"/>
+          <a:chExt cx="0" cy="0"/>
+        </a:xfrm>
+      </p:grpSpPr>
+      <p:sp>
+        <p:nvSpPr>
+          <p:cNvPr id="2" name="标题 1"/>
+          <p:cNvSpPr>
+            <a:spLocks noGrp="1"/>
+          </p:cNvSpPr>
+          <p:nvPr>
+            <p:ph type="title"/>
+          </p:nvPr>
+        </p:nvSpPr>
+        <p:spPr/>
+        <p:txBody>
+          <a:bodyPr/>
+          <a:lstStyle/>
+          <a:p>
+            <a:r>
+              <a:rPr lang="zh-CN" altLang="en-US" dirty="0" smtClean="0"/>
+              <a:t>四、</a:t>
+            </a:r>
+            <a:r>
+              <a:rPr lang="zh-CN" altLang="zh-CN" dirty="0"/>
+              <a:t>练习题</a:t>
+            </a:r>
+            <a:endParaRPr lang="zh-CN" altLang="en-US" dirty="0"/>
+          </a:p>
+        </p:txBody>
+      </p:sp>
+      <p:sp>
+        <p:nvSpPr>
+          <p:cNvPr id="3" name="内容占位符 2"/>
+          <p:cNvSpPr>
+            <a:spLocks noGrp="1"/>
+          </p:cNvSpPr>
+          <p:nvPr>
+            <p:ph idx="1"/>
+          </p:nvPr>
+        </p:nvSpPr>
+        <p:spPr>
+          <a:xfrm>
+            <a:off x="457200" y="1076325"/>
+            <a:ext cx="8401080" cy="5248275"/>
+          </a:xfrm>
+        </p:spPr>
+        <p:txBody>
+          <a:bodyPr/>
+          <a:lstStyle/>
+          <a:p>
+            <a:pPr lvl="0"/>
+            <a:r>
+              <a:rPr lang="zh-CN" altLang="zh-CN" sz="2400" dirty="0" smtClean="0"/>
+              <a:t> </a:t>
+            </a:r>
+            <a:r>
+              <a:rPr lang="zh-CN" altLang="en-US" sz="2400" dirty="0" smtClean="0"/>
+              <a:t>亲和串</a:t>
+            </a:r>
+            <a:endParaRPr lang="en-US" altLang="zh-CN" sz="2400" dirty="0" smtClean="0"/>
+          </a:p>
+          <a:p>
+            <a:pPr marL="0" lvl="0" indent="0">
+              <a:buNone/>
+            </a:pPr>
+            <a:r>
+              <a:rPr lang="en-US" altLang="zh-CN" sz="2400" dirty="0" smtClean="0"/>
+              <a:t>   </a:t>
+            </a:r>
+            <a:r>
+              <a:rPr lang="en-US" altLang="zh-CN" sz="2400" u="sng" dirty="0">
+                <a:solidFill>
+                  <a:srgbClr val="0000FF"/>
+                </a:solidFill>
+                <a:hlinkClick r:id="rId2"/>
+              </a:rPr>
+              <a:t>http</a:t>
+            </a:r>
+            <a:r>
+              <a:rPr lang="en-US" altLang="zh-CN" sz="2400" u="sng">
+                <a:solidFill>
+                  <a:srgbClr val="0000FF"/>
+                </a:solidFill>
+                <a:hlinkClick r:id="rId2"/>
+              </a:rPr>
+              <a:t>://</a:t>
+            </a:r>
+            <a:r>
+              <a:rPr lang="en-US" altLang="zh-CN" sz="2400" u="sng" smtClean="0">
+                <a:solidFill>
+                  <a:srgbClr val="0000FF"/>
+                </a:solidFill>
+                <a:hlinkClick r:id="rId2"/>
+              </a:rPr>
+              <a:t>acm.hdu.edu.cn/showproblem.php?pid=2203</a:t>
+            </a:r>
+            <a:endParaRPr lang="en-US" altLang="zh-CN" sz="2400" dirty="0" smtClean="0"/>
+          </a:p>
+          <a:p>
+            <a:pPr lvl="0"/>
+            <a:r>
+              <a:rPr lang="zh-CN" altLang="en-US" sz="2400" dirty="0" smtClean="0"/>
+              <a:t> 气球升起来</a:t>
+            </a:r>
+            <a:endParaRPr lang="en-US" altLang="zh-CN" sz="2400" dirty="0" smtClean="0"/>
+          </a:p>
+          <a:p>
+            <a:pPr marL="180000">
+              <a:lnSpc>
+                <a:spcPct val="150000"/>
+              </a:lnSpc>
+              <a:buNone/>
+            </a:pPr>
+            <a:r>
+              <a:rPr lang="en-US" altLang="zh-CN" sz="2400" dirty="0" smtClean="0"/>
+              <a:t>   </a:t>
+            </a:r>
+            <a:r>
+              <a:rPr lang="en-US" altLang="zh-CN" sz="2400" u="sng" dirty="0">
+                <a:solidFill>
+                  <a:srgbClr val="0000FF"/>
+                </a:solidFill>
+                <a:hlinkClick r:id="rId3"/>
+              </a:rPr>
+              <a:t>http://</a:t>
+            </a:r>
+            <a:r>
+              <a:rPr lang="en-US" altLang="zh-CN" sz="2400" u="sng" dirty="0" smtClean="0">
+                <a:solidFill>
+                  <a:srgbClr val="0000FF"/>
+                </a:solidFill>
+                <a:hlinkClick r:id="rId3"/>
+              </a:rPr>
+              <a:t>acm.hdu.edu.cn/showproblem.php?pid=1004</a:t>
+            </a:r>
+            <a:endParaRPr lang="en-US" altLang="zh-CN" sz="2400" u="sng" dirty="0">
+              <a:solidFill>
+                <a:srgbClr val="0000FF"/>
+              </a:solidFill>
+            </a:endParaRPr>
+          </a:p>
+        </p:txBody>
+      </p:sp>
+    </p:spTree>
+    <p:extLst>
+      <p:ext uri="{BB962C8B-B14F-4D97-AF65-F5344CB8AC3E}">
+        <p14:creationId xmlns:p14="http://schemas.microsoft.com/office/powerpoint/2010/main" val="2438090423"/>
+      </p:ext>
+    </p:extLst>
+  </p:cSld>
+  <p:clrMapOvr>
+    <a:masterClrMapping/>
+  </p:clrMapOvr>
+  <p:timing>
+    <p:tnLst>
+      <p:par>
+        <p:cTn id="1" dur="indefinite" restart="never" nodeType="tmRoot"/>
+      </p:par>
+    </p:tnLst>
+  </p:timing>
+</p:sld>
+</file>
+
+<file path=ppt/slides/slide21.xml><?xml version="1.0" encoding="utf-8"?>
 <p:sld xmlns:a="http://schemas.openxmlformats.org/drawingml/2006/main" xmlns:r="http://schemas.openxmlformats.org/officeDocument/2006/relationships" xmlns:p="http://schemas.openxmlformats.org/presentationml/2006/main">
   <p:cSld>
     <p:spTree>

--- a/课件/第四讲：字符串处理.pptx
+++ b/课件/第四讲：字符串处理.pptx
@@ -5,10 +5,10 @@
     <p:sldMasterId id="2147483648" r:id="rId1"/>
   </p:sldMasterIdLst>
   <p:notesMasterIdLst>
-    <p:notesMasterId r:id="rId23"/>
+    <p:notesMasterId r:id="rId19"/>
   </p:notesMasterIdLst>
   <p:handoutMasterIdLst>
-    <p:handoutMasterId r:id="rId24"/>
+    <p:handoutMasterId r:id="rId20"/>
   </p:handoutMasterIdLst>
   <p:sldIdLst>
     <p:sldId id="322" r:id="rId2"/>
@@ -26,12 +26,8 @@
     <p:sldId id="442" r:id="rId14"/>
     <p:sldId id="447" r:id="rId15"/>
     <p:sldId id="413" r:id="rId16"/>
-    <p:sldId id="443" r:id="rId17"/>
-    <p:sldId id="444" r:id="rId18"/>
-    <p:sldId id="446" r:id="rId19"/>
-    <p:sldId id="445" r:id="rId20"/>
-    <p:sldId id="401" r:id="rId21"/>
-    <p:sldId id="276" r:id="rId22"/>
+    <p:sldId id="401" r:id="rId17"/>
+    <p:sldId id="276" r:id="rId18"/>
   </p:sldIdLst>
   <p:sldSz cx="9144000" cy="6858000" type="screen4x3"/>
   <p:notesSz cx="6858000" cy="9144000"/>
@@ -281,7 +277,7 @@
             <a:fld id="{051F21D3-01E8-4102-B608-8A6B50B6B27E}" type="datetimeFigureOut">
               <a:rPr lang="zh-CN" altLang="en-US" smtClean="0"/>
               <a:pPr/>
-              <a:t>2017/11/10</a:t>
+              <a:t>2017/11/24</a:t>
             </a:fld>
             <a:endParaRPr lang="zh-CN" altLang="en-US"/>
           </a:p>
@@ -448,7 +444,7 @@
             <a:fld id="{B6083D17-2EF0-43BD-97E4-BB7AF5A7BF42}" type="datetimeFigureOut">
               <a:rPr lang="zh-CN" altLang="en-US" smtClean="0"/>
               <a:pPr/>
-              <a:t>2017/11/10</a:t>
+              <a:t>2017/11/24</a:t>
             </a:fld>
             <a:endParaRPr lang="zh-CN" altLang="en-US"/>
           </a:p>
@@ -7875,36 +7871,16 @@
                 </a:solidFill>
                 <a:hlinkClick r:id="rId2"/>
               </a:rPr>
-              <a:t>http://acm.hdu.edu.cn/showproblem.php?pid=1358</a:t>
-            </a:r>
-            <a:endParaRPr lang="en-US" sz="2400" u="sng" dirty="0" smtClean="0">
-              <a:solidFill>
-                <a:srgbClr val="0000FF"/>
-              </a:solidFill>
-            </a:endParaRPr>
-          </a:p>
-          <a:p>
-            <a:pPr marL="180000">
-              <a:lnSpc>
-                <a:spcPct val="150000"/>
-              </a:lnSpc>
-              <a:buNone/>
-            </a:pPr>
-            <a:r>
-              <a:rPr lang="zh-CN" altLang="en-US" dirty="0" smtClean="0"/>
-              <a:t>可以利用</a:t>
-            </a:r>
-            <a:r>
-              <a:rPr lang="en-US" altLang="zh-CN" dirty="0" smtClean="0"/>
-              <a:t>next</a:t>
-            </a:r>
-            <a:r>
-              <a:rPr lang="zh-CN" altLang="en-US" dirty="0" smtClean="0"/>
-              <a:t>数组的性质求解，代码</a:t>
-            </a:r>
-            <a:r>
-              <a:rPr lang="zh-CN" altLang="en-US" dirty="0"/>
-              <a:t>如下：</a:t>
+              <a:t>http://</a:t>
+            </a:r>
+            <a:r>
+              <a:rPr lang="en-US" sz="2400" u="sng" dirty="0" smtClean="0">
+                <a:solidFill>
+                  <a:srgbClr val="0000FF"/>
+                </a:solidFill>
+                <a:hlinkClick r:id="rId2"/>
+              </a:rPr>
+              <a:t>acm.hdu.edu.cn/showproblem.php?pid=1358</a:t>
             </a:r>
             <a:endParaRPr lang="en-US" altLang="zh-CN" dirty="0"/>
           </a:p>
@@ -8020,1490 +7996,6 @@
       </p:grpSpPr>
       <p:sp>
         <p:nvSpPr>
-          <p:cNvPr id="4098" name="标题 1"/>
-          <p:cNvSpPr>
-            <a:spLocks noGrp="1"/>
-          </p:cNvSpPr>
-          <p:nvPr>
-            <p:ph type="title"/>
-          </p:nvPr>
-        </p:nvSpPr>
-        <p:spPr/>
-        <p:txBody>
-          <a:bodyPr/>
-          <a:lstStyle/>
-          <a:p>
-            <a:r>
-              <a:rPr lang="zh-CN" altLang="en-US" dirty="0" smtClean="0">
-                <a:ea typeface="宋体" pitchFamily="2" charset="-122"/>
-              </a:rPr>
-              <a:t>例题</a:t>
-            </a:r>
-          </a:p>
-        </p:txBody>
-      </p:sp>
-      <p:sp>
-        <p:nvSpPr>
-          <p:cNvPr id="4099" name="内容占位符 2"/>
-          <p:cNvSpPr>
-            <a:spLocks noGrp="1"/>
-          </p:cNvSpPr>
-          <p:nvPr>
-            <p:ph idx="1"/>
-          </p:nvPr>
-        </p:nvSpPr>
-        <p:spPr>
-          <a:xfrm>
-            <a:off x="457200" y="1076325"/>
-            <a:ext cx="8329642" cy="5248275"/>
-          </a:xfrm>
-        </p:spPr>
-        <p:txBody>
-          <a:bodyPr/>
-          <a:lstStyle/>
-          <a:p>
-            <a:pPr marL="0" indent="0">
-              <a:buNone/>
-            </a:pPr>
-            <a:r>
-              <a:rPr lang="en-US" altLang="zh-CN" sz="2000" dirty="0"/>
-              <a:t>#include "</a:t>
-            </a:r>
-            <a:r>
-              <a:rPr lang="en-US" altLang="zh-CN" sz="2000" dirty="0" err="1"/>
-              <a:t>stdio.h</a:t>
-            </a:r>
-            <a:r>
-              <a:rPr lang="en-US" altLang="zh-CN" sz="2000" dirty="0"/>
-              <a:t>"</a:t>
-            </a:r>
-          </a:p>
-          <a:p>
-            <a:pPr marL="0" indent="0">
-              <a:buNone/>
-            </a:pPr>
-            <a:r>
-              <a:rPr lang="en-US" altLang="zh-CN" sz="2000" dirty="0"/>
-              <a:t>char </a:t>
-            </a:r>
-            <a:r>
-              <a:rPr lang="en-US" altLang="zh-CN" sz="2000" dirty="0" err="1"/>
-              <a:t>str</a:t>
-            </a:r>
-            <a:r>
-              <a:rPr lang="en-US" altLang="zh-CN" sz="2000" dirty="0"/>
-              <a:t>[1000005];</a:t>
-            </a:r>
-          </a:p>
-          <a:p>
-            <a:pPr marL="0" indent="0">
-              <a:buNone/>
-            </a:pPr>
-            <a:r>
-              <a:rPr lang="en-US" altLang="zh-CN" sz="2000" dirty="0" err="1"/>
-              <a:t>int</a:t>
-            </a:r>
-            <a:r>
-              <a:rPr lang="en-US" altLang="zh-CN" sz="2000" dirty="0"/>
-              <a:t> next[1000005]={0</a:t>
-            </a:r>
-            <a:r>
-              <a:rPr lang="en-US" altLang="zh-CN" sz="2000" dirty="0" smtClean="0"/>
-              <a:t>};</a:t>
-            </a:r>
-            <a:endParaRPr lang="en-US" altLang="zh-CN" sz="2000" dirty="0"/>
-          </a:p>
-        </p:txBody>
-      </p:sp>
-      <p:sp>
-        <p:nvSpPr>
-          <p:cNvPr id="1026" name="Rectangle 2"/>
-          <p:cNvSpPr>
-            <a:spLocks noChangeArrowheads="1"/>
-          </p:cNvSpPr>
-          <p:nvPr/>
-        </p:nvSpPr>
-        <p:spPr bwMode="auto">
-          <a:xfrm>
-            <a:off x="0" y="0"/>
-            <a:ext cx="9144000" cy="0"/>
-          </a:xfrm>
-          <a:prstGeom prst="rect">
-            <a:avLst/>
-          </a:prstGeom>
-          <a:noFill/>
-          <a:ln w="9525">
-            <a:noFill/>
-            <a:miter lim="800000"/>
-            <a:headEnd/>
-            <a:tailEnd/>
-          </a:ln>
-          <a:effectLst/>
-        </p:spPr>
-        <p:txBody>
-          <a:bodyPr vert="horz" wrap="none" lIns="91440" tIns="45720" rIns="91440" bIns="45720" numCol="1" anchor="ctr" anchorCtr="0" compatLnSpc="1">
-            <a:prstTxWarp prst="textNoShape">
-              <a:avLst/>
-            </a:prstTxWarp>
-            <a:spAutoFit/>
-          </a:bodyPr>
-          <a:lstStyle/>
-          <a:p>
-            <a:endParaRPr lang="zh-CN" altLang="en-US"/>
-          </a:p>
-        </p:txBody>
-      </p:sp>
-      <p:sp>
-        <p:nvSpPr>
-          <p:cNvPr id="1028" name="Rectangle 4"/>
-          <p:cNvSpPr>
-            <a:spLocks noChangeArrowheads="1"/>
-          </p:cNvSpPr>
-          <p:nvPr/>
-        </p:nvSpPr>
-        <p:spPr bwMode="auto">
-          <a:xfrm>
-            <a:off x="0" y="0"/>
-            <a:ext cx="9144000" cy="0"/>
-          </a:xfrm>
-          <a:prstGeom prst="rect">
-            <a:avLst/>
-          </a:prstGeom>
-          <a:noFill/>
-          <a:ln w="9525">
-            <a:noFill/>
-            <a:miter lim="800000"/>
-            <a:headEnd/>
-            <a:tailEnd/>
-          </a:ln>
-          <a:effectLst/>
-        </p:spPr>
-        <p:txBody>
-          <a:bodyPr vert="horz" wrap="none" lIns="91440" tIns="45720" rIns="91440" bIns="45720" numCol="1" anchor="ctr" anchorCtr="0" compatLnSpc="1">
-            <a:prstTxWarp prst="textNoShape">
-              <a:avLst/>
-            </a:prstTxWarp>
-            <a:spAutoFit/>
-          </a:bodyPr>
-          <a:lstStyle/>
-          <a:p>
-            <a:endParaRPr lang="zh-CN" altLang="en-US"/>
-          </a:p>
-        </p:txBody>
-      </p:sp>
-    </p:spTree>
-    <p:extLst>
-      <p:ext uri="{BB962C8B-B14F-4D97-AF65-F5344CB8AC3E}">
-        <p14:creationId xmlns:p14="http://schemas.microsoft.com/office/powerpoint/2010/main" val="1983238583"/>
-      </p:ext>
-    </p:extLst>
-  </p:cSld>
-  <p:clrMapOvr>
-    <a:masterClrMapping/>
-  </p:clrMapOvr>
-  <p:timing>
-    <p:tnLst>
-      <p:par>
-        <p:cTn id="1" dur="indefinite" restart="never" nodeType="tmRoot"/>
-      </p:par>
-    </p:tnLst>
-  </p:timing>
-</p:sld>
-</file>
-
-<file path=ppt/slides/slide17.xml><?xml version="1.0" encoding="utf-8"?>
-<p:sld xmlns:a="http://schemas.openxmlformats.org/drawingml/2006/main" xmlns:r="http://schemas.openxmlformats.org/officeDocument/2006/relationships" xmlns:p="http://schemas.openxmlformats.org/presentationml/2006/main">
-  <p:cSld>
-    <p:spTree>
-      <p:nvGrpSpPr>
-        <p:cNvPr id="1" name=""/>
-        <p:cNvGrpSpPr/>
-        <p:nvPr/>
-      </p:nvGrpSpPr>
-      <p:grpSpPr>
-        <a:xfrm>
-          <a:off x="0" y="0"/>
-          <a:ext cx="0" cy="0"/>
-          <a:chOff x="0" y="0"/>
-          <a:chExt cx="0" cy="0"/>
-        </a:xfrm>
-      </p:grpSpPr>
-      <p:sp>
-        <p:nvSpPr>
-          <p:cNvPr id="4098" name="标题 1"/>
-          <p:cNvSpPr>
-            <a:spLocks noGrp="1"/>
-          </p:cNvSpPr>
-          <p:nvPr>
-            <p:ph type="title"/>
-          </p:nvPr>
-        </p:nvSpPr>
-        <p:spPr/>
-        <p:txBody>
-          <a:bodyPr/>
-          <a:lstStyle/>
-          <a:p>
-            <a:r>
-              <a:rPr lang="zh-CN" altLang="en-US" dirty="0" smtClean="0">
-                <a:ea typeface="宋体" pitchFamily="2" charset="-122"/>
-              </a:rPr>
-              <a:t>例题</a:t>
-            </a:r>
-          </a:p>
-        </p:txBody>
-      </p:sp>
-      <p:sp>
-        <p:nvSpPr>
-          <p:cNvPr id="4099" name="内容占位符 2"/>
-          <p:cNvSpPr>
-            <a:spLocks noGrp="1"/>
-          </p:cNvSpPr>
-          <p:nvPr>
-            <p:ph idx="1"/>
-          </p:nvPr>
-        </p:nvSpPr>
-        <p:spPr>
-          <a:xfrm>
-            <a:off x="457200" y="1076325"/>
-            <a:ext cx="8329642" cy="5248275"/>
-          </a:xfrm>
-        </p:spPr>
-        <p:txBody>
-          <a:bodyPr/>
-          <a:lstStyle/>
-          <a:p>
-            <a:pPr marL="0" indent="0">
-              <a:buNone/>
-            </a:pPr>
-            <a:r>
-              <a:rPr lang="en-US" altLang="zh-CN" sz="2000" dirty="0"/>
-              <a:t>void </a:t>
-            </a:r>
-            <a:r>
-              <a:rPr lang="en-US" altLang="zh-CN" sz="2000" dirty="0" err="1"/>
-              <a:t>getnext</a:t>
-            </a:r>
-            <a:r>
-              <a:rPr lang="en-US" altLang="zh-CN" sz="2000" dirty="0"/>
-              <a:t>(){</a:t>
-            </a:r>
-          </a:p>
-          <a:p>
-            <a:pPr marL="0" indent="0">
-              <a:buNone/>
-            </a:pPr>
-            <a:r>
-              <a:rPr lang="en-US" altLang="zh-CN" sz="2000" dirty="0"/>
-              <a:t>    </a:t>
-            </a:r>
-            <a:r>
-              <a:rPr lang="en-US" altLang="zh-CN" sz="2000" dirty="0" err="1"/>
-              <a:t>int</a:t>
-            </a:r>
-            <a:r>
-              <a:rPr lang="en-US" altLang="zh-CN" sz="2000" dirty="0"/>
-              <a:t> </a:t>
-            </a:r>
-            <a:r>
-              <a:rPr lang="en-US" altLang="zh-CN" sz="2000" dirty="0" err="1"/>
-              <a:t>i</a:t>
-            </a:r>
-            <a:r>
-              <a:rPr lang="en-US" altLang="zh-CN" sz="2000" dirty="0"/>
-              <a:t> = 0,j = -1;</a:t>
-            </a:r>
-          </a:p>
-          <a:p>
-            <a:pPr marL="0" indent="0">
-              <a:buNone/>
-            </a:pPr>
-            <a:r>
-              <a:rPr lang="en-US" altLang="zh-CN" sz="2000" dirty="0"/>
-              <a:t>    next[0] = -1;</a:t>
-            </a:r>
-          </a:p>
-          <a:p>
-            <a:pPr marL="0" indent="0">
-              <a:buNone/>
-            </a:pPr>
-            <a:r>
-              <a:rPr lang="en-US" altLang="zh-CN" sz="2000" dirty="0"/>
-              <a:t>    while (</a:t>
-            </a:r>
-            <a:r>
-              <a:rPr lang="en-US" altLang="zh-CN" sz="2000" dirty="0" err="1"/>
-              <a:t>str</a:t>
-            </a:r>
-            <a:r>
-              <a:rPr lang="en-US" altLang="zh-CN" sz="2000" dirty="0"/>
-              <a:t>[</a:t>
-            </a:r>
-            <a:r>
-              <a:rPr lang="en-US" altLang="zh-CN" sz="2000" dirty="0" err="1"/>
-              <a:t>i</a:t>
-            </a:r>
-            <a:r>
-              <a:rPr lang="en-US" altLang="zh-CN" sz="2000" dirty="0"/>
-              <a:t>]){</a:t>
-            </a:r>
-          </a:p>
-          <a:p>
-            <a:pPr marL="0" indent="0">
-              <a:buNone/>
-            </a:pPr>
-            <a:r>
-              <a:rPr lang="en-US" altLang="zh-CN" sz="2000" dirty="0"/>
-              <a:t>        if(j == -1 || </a:t>
-            </a:r>
-            <a:r>
-              <a:rPr lang="en-US" altLang="zh-CN" sz="2000" dirty="0" err="1"/>
-              <a:t>str</a:t>
-            </a:r>
-            <a:r>
-              <a:rPr lang="en-US" altLang="zh-CN" sz="2000" dirty="0"/>
-              <a:t>[</a:t>
-            </a:r>
-            <a:r>
-              <a:rPr lang="en-US" altLang="zh-CN" sz="2000" dirty="0" err="1"/>
-              <a:t>i</a:t>
-            </a:r>
-            <a:r>
-              <a:rPr lang="en-US" altLang="zh-CN" sz="2000" dirty="0"/>
-              <a:t>] == </a:t>
-            </a:r>
-            <a:r>
-              <a:rPr lang="en-US" altLang="zh-CN" sz="2000" dirty="0" err="1"/>
-              <a:t>str</a:t>
-            </a:r>
-            <a:r>
-              <a:rPr lang="en-US" altLang="zh-CN" sz="2000" dirty="0"/>
-              <a:t>[j]){</a:t>
-            </a:r>
-          </a:p>
-          <a:p>
-            <a:pPr marL="0" indent="0">
-              <a:buNone/>
-            </a:pPr>
-            <a:r>
-              <a:rPr lang="en-US" altLang="zh-CN" sz="2000" dirty="0"/>
-              <a:t>            </a:t>
-            </a:r>
-            <a:r>
-              <a:rPr lang="en-US" altLang="zh-CN" sz="2000" dirty="0" err="1"/>
-              <a:t>i</a:t>
-            </a:r>
-            <a:r>
-              <a:rPr lang="en-US" altLang="zh-CN" sz="2000" dirty="0"/>
-              <a:t>++;</a:t>
-            </a:r>
-          </a:p>
-          <a:p>
-            <a:pPr marL="0" indent="0">
-              <a:buNone/>
-            </a:pPr>
-            <a:r>
-              <a:rPr lang="en-US" altLang="zh-CN" sz="2000" dirty="0"/>
-              <a:t>            </a:t>
-            </a:r>
-            <a:r>
-              <a:rPr lang="en-US" altLang="zh-CN" sz="2000" dirty="0" err="1"/>
-              <a:t>j++</a:t>
-            </a:r>
-            <a:r>
-              <a:rPr lang="en-US" altLang="zh-CN" sz="2000" dirty="0"/>
-              <a:t>;</a:t>
-            </a:r>
-          </a:p>
-          <a:p>
-            <a:pPr marL="0" indent="0">
-              <a:buNone/>
-            </a:pPr>
-            <a:r>
-              <a:rPr lang="en-US" altLang="zh-CN" sz="2000" dirty="0"/>
-              <a:t>            next[</a:t>
-            </a:r>
-            <a:r>
-              <a:rPr lang="en-US" altLang="zh-CN" sz="2000" dirty="0" err="1"/>
-              <a:t>i</a:t>
-            </a:r>
-            <a:r>
-              <a:rPr lang="en-US" altLang="zh-CN" sz="2000" dirty="0"/>
-              <a:t>] = j; </a:t>
-            </a:r>
-          </a:p>
-          <a:p>
-            <a:pPr marL="0" indent="0">
-              <a:buNone/>
-            </a:pPr>
-            <a:r>
-              <a:rPr lang="en-US" altLang="zh-CN" sz="2000" dirty="0"/>
-              <a:t>        }</a:t>
-            </a:r>
-          </a:p>
-          <a:p>
-            <a:pPr marL="0" indent="0">
-              <a:buNone/>
-            </a:pPr>
-            <a:r>
-              <a:rPr lang="en-US" altLang="zh-CN" sz="2000" dirty="0"/>
-              <a:t>        else</a:t>
-            </a:r>
-          </a:p>
-          <a:p>
-            <a:pPr marL="0" indent="0">
-              <a:buNone/>
-            </a:pPr>
-            <a:r>
-              <a:rPr lang="en-US" altLang="zh-CN" sz="2000" dirty="0"/>
-              <a:t>        j = next[j];</a:t>
-            </a:r>
-          </a:p>
-          <a:p>
-            <a:pPr marL="0" indent="0">
-              <a:buNone/>
-            </a:pPr>
-            <a:r>
-              <a:rPr lang="en-US" altLang="zh-CN" sz="2000" dirty="0"/>
-              <a:t>    }</a:t>
-            </a:r>
-          </a:p>
-          <a:p>
-            <a:pPr marL="0" indent="0">
-              <a:buNone/>
-            </a:pPr>
-            <a:r>
-              <a:rPr lang="en-US" altLang="zh-CN" sz="2000" dirty="0"/>
-              <a:t>}</a:t>
-            </a:r>
-            <a:endParaRPr lang="zh-CN" altLang="zh-CN" sz="2000" dirty="0"/>
-          </a:p>
-        </p:txBody>
-      </p:sp>
-      <p:sp>
-        <p:nvSpPr>
-          <p:cNvPr id="1026" name="Rectangle 2"/>
-          <p:cNvSpPr>
-            <a:spLocks noChangeArrowheads="1"/>
-          </p:cNvSpPr>
-          <p:nvPr/>
-        </p:nvSpPr>
-        <p:spPr bwMode="auto">
-          <a:xfrm>
-            <a:off x="0" y="0"/>
-            <a:ext cx="9144000" cy="0"/>
-          </a:xfrm>
-          <a:prstGeom prst="rect">
-            <a:avLst/>
-          </a:prstGeom>
-          <a:noFill/>
-          <a:ln w="9525">
-            <a:noFill/>
-            <a:miter lim="800000"/>
-            <a:headEnd/>
-            <a:tailEnd/>
-          </a:ln>
-          <a:effectLst/>
-        </p:spPr>
-        <p:txBody>
-          <a:bodyPr vert="horz" wrap="none" lIns="91440" tIns="45720" rIns="91440" bIns="45720" numCol="1" anchor="ctr" anchorCtr="0" compatLnSpc="1">
-            <a:prstTxWarp prst="textNoShape">
-              <a:avLst/>
-            </a:prstTxWarp>
-            <a:spAutoFit/>
-          </a:bodyPr>
-          <a:lstStyle/>
-          <a:p>
-            <a:endParaRPr lang="zh-CN" altLang="en-US"/>
-          </a:p>
-        </p:txBody>
-      </p:sp>
-      <p:sp>
-        <p:nvSpPr>
-          <p:cNvPr id="1028" name="Rectangle 4"/>
-          <p:cNvSpPr>
-            <a:spLocks noChangeArrowheads="1"/>
-          </p:cNvSpPr>
-          <p:nvPr/>
-        </p:nvSpPr>
-        <p:spPr bwMode="auto">
-          <a:xfrm>
-            <a:off x="0" y="0"/>
-            <a:ext cx="9144000" cy="0"/>
-          </a:xfrm>
-          <a:prstGeom prst="rect">
-            <a:avLst/>
-          </a:prstGeom>
-          <a:noFill/>
-          <a:ln w="9525">
-            <a:noFill/>
-            <a:miter lim="800000"/>
-            <a:headEnd/>
-            <a:tailEnd/>
-          </a:ln>
-          <a:effectLst/>
-        </p:spPr>
-        <p:txBody>
-          <a:bodyPr vert="horz" wrap="none" lIns="91440" tIns="45720" rIns="91440" bIns="45720" numCol="1" anchor="ctr" anchorCtr="0" compatLnSpc="1">
-            <a:prstTxWarp prst="textNoShape">
-              <a:avLst/>
-            </a:prstTxWarp>
-            <a:spAutoFit/>
-          </a:bodyPr>
-          <a:lstStyle/>
-          <a:p>
-            <a:endParaRPr lang="zh-CN" altLang="en-US"/>
-          </a:p>
-        </p:txBody>
-      </p:sp>
-    </p:spTree>
-    <p:extLst>
-      <p:ext uri="{BB962C8B-B14F-4D97-AF65-F5344CB8AC3E}">
-        <p14:creationId xmlns:p14="http://schemas.microsoft.com/office/powerpoint/2010/main" val="1983238583"/>
-      </p:ext>
-    </p:extLst>
-  </p:cSld>
-  <p:clrMapOvr>
-    <a:masterClrMapping/>
-  </p:clrMapOvr>
-  <p:timing>
-    <p:tnLst>
-      <p:par>
-        <p:cTn id="1" dur="indefinite" restart="never" nodeType="tmRoot"/>
-      </p:par>
-    </p:tnLst>
-  </p:timing>
-</p:sld>
-</file>
-
-<file path=ppt/slides/slide18.xml><?xml version="1.0" encoding="utf-8"?>
-<p:sld xmlns:a="http://schemas.openxmlformats.org/drawingml/2006/main" xmlns:r="http://schemas.openxmlformats.org/officeDocument/2006/relationships" xmlns:p="http://schemas.openxmlformats.org/presentationml/2006/main">
-  <p:cSld>
-    <p:spTree>
-      <p:nvGrpSpPr>
-        <p:cNvPr id="1" name=""/>
-        <p:cNvGrpSpPr/>
-        <p:nvPr/>
-      </p:nvGrpSpPr>
-      <p:grpSpPr>
-        <a:xfrm>
-          <a:off x="0" y="0"/>
-          <a:ext cx="0" cy="0"/>
-          <a:chOff x="0" y="0"/>
-          <a:chExt cx="0" cy="0"/>
-        </a:xfrm>
-      </p:grpSpPr>
-      <p:sp>
-        <p:nvSpPr>
-          <p:cNvPr id="4098" name="标题 1"/>
-          <p:cNvSpPr>
-            <a:spLocks noGrp="1"/>
-          </p:cNvSpPr>
-          <p:nvPr>
-            <p:ph type="title"/>
-          </p:nvPr>
-        </p:nvSpPr>
-        <p:spPr/>
-        <p:txBody>
-          <a:bodyPr/>
-          <a:lstStyle/>
-          <a:p>
-            <a:r>
-              <a:rPr lang="zh-CN" altLang="en-US" dirty="0" smtClean="0">
-                <a:ea typeface="宋体" pitchFamily="2" charset="-122"/>
-              </a:rPr>
-              <a:t>例题</a:t>
-            </a:r>
-          </a:p>
-        </p:txBody>
-      </p:sp>
-      <p:sp>
-        <p:nvSpPr>
-          <p:cNvPr id="4099" name="内容占位符 2"/>
-          <p:cNvSpPr>
-            <a:spLocks noGrp="1"/>
-          </p:cNvSpPr>
-          <p:nvPr>
-            <p:ph idx="1"/>
-          </p:nvPr>
-        </p:nvSpPr>
-        <p:spPr>
-          <a:xfrm>
-            <a:off x="457200" y="1076325"/>
-            <a:ext cx="8329642" cy="5248275"/>
-          </a:xfrm>
-        </p:spPr>
-        <p:txBody>
-          <a:bodyPr/>
-          <a:lstStyle/>
-          <a:p>
-            <a:pPr marL="180000">
-              <a:lnSpc>
-                <a:spcPts val="3400"/>
-              </a:lnSpc>
-              <a:buNone/>
-            </a:pPr>
-            <a:r>
-              <a:rPr lang="en-US" altLang="zh-CN" sz="2000" dirty="0"/>
-              <a:t>void </a:t>
-            </a:r>
-            <a:r>
-              <a:rPr lang="en-US" altLang="zh-CN" sz="2000" dirty="0" err="1"/>
-              <a:t>kmp</a:t>
-            </a:r>
-            <a:r>
-              <a:rPr lang="en-US" altLang="zh-CN" sz="2000" dirty="0" smtClean="0"/>
-              <a:t>(){</a:t>
-            </a:r>
-            <a:endParaRPr lang="en-US" altLang="zh-CN" sz="2000" dirty="0"/>
-          </a:p>
-          <a:p>
-            <a:pPr marL="180000">
-              <a:lnSpc>
-                <a:spcPts val="3400"/>
-              </a:lnSpc>
-              <a:buNone/>
-            </a:pPr>
-            <a:r>
-              <a:rPr lang="en-US" altLang="zh-CN" sz="2000" dirty="0"/>
-              <a:t>    </a:t>
-            </a:r>
-            <a:r>
-              <a:rPr lang="en-US" altLang="zh-CN" sz="2000" dirty="0" err="1"/>
-              <a:t>int</a:t>
-            </a:r>
-            <a:r>
-              <a:rPr lang="en-US" altLang="zh-CN" sz="2000" dirty="0"/>
-              <a:t> </a:t>
-            </a:r>
-            <a:r>
-              <a:rPr lang="en-US" altLang="zh-CN" sz="2000" dirty="0" err="1"/>
-              <a:t>i,t</a:t>
-            </a:r>
-            <a:r>
-              <a:rPr lang="en-US" altLang="zh-CN" sz="2000" dirty="0"/>
-              <a:t>;</a:t>
-            </a:r>
-          </a:p>
-          <a:p>
-            <a:pPr marL="180000">
-              <a:lnSpc>
-                <a:spcPts val="3400"/>
-              </a:lnSpc>
-              <a:buNone/>
-            </a:pPr>
-            <a:r>
-              <a:rPr lang="en-US" altLang="zh-CN" sz="2000" dirty="0"/>
-              <a:t>    for(</a:t>
-            </a:r>
-            <a:r>
-              <a:rPr lang="en-US" altLang="zh-CN" sz="2000" dirty="0" err="1"/>
-              <a:t>i</a:t>
-            </a:r>
-            <a:r>
-              <a:rPr lang="en-US" altLang="zh-CN" sz="2000" dirty="0"/>
-              <a:t> = 2;str[i-1];</a:t>
-            </a:r>
-            <a:r>
-              <a:rPr lang="en-US" altLang="zh-CN" sz="2000" dirty="0" err="1"/>
-              <a:t>i</a:t>
-            </a:r>
-            <a:r>
-              <a:rPr lang="en-US" altLang="zh-CN" sz="2000" dirty="0" smtClean="0"/>
-              <a:t>++){</a:t>
-            </a:r>
-            <a:endParaRPr lang="en-US" altLang="zh-CN" sz="2000" dirty="0"/>
-          </a:p>
-          <a:p>
-            <a:pPr marL="180000">
-              <a:lnSpc>
-                <a:spcPts val="3400"/>
-              </a:lnSpc>
-              <a:buNone/>
-            </a:pPr>
-            <a:r>
-              <a:rPr lang="en-US" altLang="zh-CN" sz="2000" dirty="0"/>
-              <a:t>        t = </a:t>
-            </a:r>
-            <a:r>
-              <a:rPr lang="en-US" altLang="zh-CN" sz="2000" dirty="0" err="1"/>
-              <a:t>i</a:t>
-            </a:r>
-            <a:r>
-              <a:rPr lang="en-US" altLang="zh-CN" sz="2000" dirty="0"/>
-              <a:t>-next[</a:t>
-            </a:r>
-            <a:r>
-              <a:rPr lang="en-US" altLang="zh-CN" sz="2000" dirty="0" err="1"/>
-              <a:t>i</a:t>
-            </a:r>
-            <a:r>
-              <a:rPr lang="en-US" altLang="zh-CN" sz="2000" dirty="0"/>
-              <a:t>];</a:t>
-            </a:r>
-          </a:p>
-          <a:p>
-            <a:pPr marL="180000">
-              <a:lnSpc>
-                <a:spcPts val="3400"/>
-              </a:lnSpc>
-              <a:buNone/>
-            </a:pPr>
-            <a:r>
-              <a:rPr lang="en-US" altLang="zh-CN" sz="2000" dirty="0"/>
-              <a:t>        if(</a:t>
-            </a:r>
-            <a:r>
-              <a:rPr lang="en-US" altLang="zh-CN" sz="2000" dirty="0" err="1"/>
-              <a:t>i%t</a:t>
-            </a:r>
-            <a:r>
-              <a:rPr lang="en-US" altLang="zh-CN" sz="2000" dirty="0"/>
-              <a:t> == 0 &amp;&amp; </a:t>
-            </a:r>
-            <a:r>
-              <a:rPr lang="en-US" altLang="zh-CN" sz="2000" dirty="0" err="1"/>
-              <a:t>i</a:t>
-            </a:r>
-            <a:r>
-              <a:rPr lang="en-US" altLang="zh-CN" sz="2000" dirty="0"/>
-              <a:t>/t&gt;1)</a:t>
-            </a:r>
-          </a:p>
-          <a:p>
-            <a:pPr marL="180000">
-              <a:lnSpc>
-                <a:spcPts val="3400"/>
-              </a:lnSpc>
-              <a:buNone/>
-            </a:pPr>
-            <a:r>
-              <a:rPr lang="en-US" altLang="zh-CN" sz="2000" dirty="0"/>
-              <a:t>        </a:t>
-            </a:r>
-            <a:r>
-              <a:rPr lang="en-US" altLang="zh-CN" sz="2000" dirty="0" err="1"/>
-              <a:t>printf</a:t>
-            </a:r>
-            <a:r>
-              <a:rPr lang="en-US" altLang="zh-CN" sz="2000" dirty="0"/>
-              <a:t>("%d %d\n",</a:t>
-            </a:r>
-            <a:r>
-              <a:rPr lang="en-US" altLang="zh-CN" sz="2000" dirty="0" err="1"/>
-              <a:t>i,i</a:t>
-            </a:r>
-            <a:r>
-              <a:rPr lang="en-US" altLang="zh-CN" sz="2000" dirty="0"/>
-              <a:t>/t);</a:t>
-            </a:r>
-          </a:p>
-          <a:p>
-            <a:pPr marL="180000">
-              <a:lnSpc>
-                <a:spcPts val="3400"/>
-              </a:lnSpc>
-              <a:buNone/>
-            </a:pPr>
-            <a:r>
-              <a:rPr lang="en-US" altLang="zh-CN" sz="2000" dirty="0"/>
-              <a:t>    }</a:t>
-            </a:r>
-          </a:p>
-          <a:p>
-            <a:pPr marL="180000">
-              <a:lnSpc>
-                <a:spcPts val="3400"/>
-              </a:lnSpc>
-              <a:buNone/>
-            </a:pPr>
-            <a:r>
-              <a:rPr lang="en-US" altLang="zh-CN" sz="2000" dirty="0" smtClean="0"/>
-              <a:t>}</a:t>
-            </a:r>
-          </a:p>
-        </p:txBody>
-      </p:sp>
-      <p:sp>
-        <p:nvSpPr>
-          <p:cNvPr id="1026" name="Rectangle 2"/>
-          <p:cNvSpPr>
-            <a:spLocks noChangeArrowheads="1"/>
-          </p:cNvSpPr>
-          <p:nvPr/>
-        </p:nvSpPr>
-        <p:spPr bwMode="auto">
-          <a:xfrm>
-            <a:off x="0" y="0"/>
-            <a:ext cx="9144000" cy="0"/>
-          </a:xfrm>
-          <a:prstGeom prst="rect">
-            <a:avLst/>
-          </a:prstGeom>
-          <a:noFill/>
-          <a:ln w="9525">
-            <a:noFill/>
-            <a:miter lim="800000"/>
-            <a:headEnd/>
-            <a:tailEnd/>
-          </a:ln>
-          <a:effectLst/>
-        </p:spPr>
-        <p:txBody>
-          <a:bodyPr vert="horz" wrap="none" lIns="91440" tIns="45720" rIns="91440" bIns="45720" numCol="1" anchor="ctr" anchorCtr="0" compatLnSpc="1">
-            <a:prstTxWarp prst="textNoShape">
-              <a:avLst/>
-            </a:prstTxWarp>
-            <a:spAutoFit/>
-          </a:bodyPr>
-          <a:lstStyle/>
-          <a:p>
-            <a:endParaRPr lang="zh-CN" altLang="en-US"/>
-          </a:p>
-        </p:txBody>
-      </p:sp>
-      <p:sp>
-        <p:nvSpPr>
-          <p:cNvPr id="1028" name="Rectangle 4"/>
-          <p:cNvSpPr>
-            <a:spLocks noChangeArrowheads="1"/>
-          </p:cNvSpPr>
-          <p:nvPr/>
-        </p:nvSpPr>
-        <p:spPr bwMode="auto">
-          <a:xfrm>
-            <a:off x="0" y="0"/>
-            <a:ext cx="9144000" cy="0"/>
-          </a:xfrm>
-          <a:prstGeom prst="rect">
-            <a:avLst/>
-          </a:prstGeom>
-          <a:noFill/>
-          <a:ln w="9525">
-            <a:noFill/>
-            <a:miter lim="800000"/>
-            <a:headEnd/>
-            <a:tailEnd/>
-          </a:ln>
-          <a:effectLst/>
-        </p:spPr>
-        <p:txBody>
-          <a:bodyPr vert="horz" wrap="none" lIns="91440" tIns="45720" rIns="91440" bIns="45720" numCol="1" anchor="ctr" anchorCtr="0" compatLnSpc="1">
-            <a:prstTxWarp prst="textNoShape">
-              <a:avLst/>
-            </a:prstTxWarp>
-            <a:spAutoFit/>
-          </a:bodyPr>
-          <a:lstStyle/>
-          <a:p>
-            <a:endParaRPr lang="zh-CN" altLang="en-US"/>
-          </a:p>
-        </p:txBody>
-      </p:sp>
-    </p:spTree>
-    <p:extLst>
-      <p:ext uri="{BB962C8B-B14F-4D97-AF65-F5344CB8AC3E}">
-        <p14:creationId xmlns:p14="http://schemas.microsoft.com/office/powerpoint/2010/main" val="3896125756"/>
-      </p:ext>
-    </p:extLst>
-  </p:cSld>
-  <p:clrMapOvr>
-    <a:masterClrMapping/>
-  </p:clrMapOvr>
-  <p:timing>
-    <p:tnLst>
-      <p:par>
-        <p:cTn id="1" dur="indefinite" restart="never" nodeType="tmRoot"/>
-      </p:par>
-    </p:tnLst>
-  </p:timing>
-</p:sld>
-</file>
-
-<file path=ppt/slides/slide19.xml><?xml version="1.0" encoding="utf-8"?>
-<p:sld xmlns:a="http://schemas.openxmlformats.org/drawingml/2006/main" xmlns:r="http://schemas.openxmlformats.org/officeDocument/2006/relationships" xmlns:p="http://schemas.openxmlformats.org/presentationml/2006/main">
-  <p:cSld>
-    <p:spTree>
-      <p:nvGrpSpPr>
-        <p:cNvPr id="1" name=""/>
-        <p:cNvGrpSpPr/>
-        <p:nvPr/>
-      </p:nvGrpSpPr>
-      <p:grpSpPr>
-        <a:xfrm>
-          <a:off x="0" y="0"/>
-          <a:ext cx="0" cy="0"/>
-          <a:chOff x="0" y="0"/>
-          <a:chExt cx="0" cy="0"/>
-        </a:xfrm>
-      </p:grpSpPr>
-      <p:sp>
-        <p:nvSpPr>
-          <p:cNvPr id="4098" name="标题 1"/>
-          <p:cNvSpPr>
-            <a:spLocks noGrp="1"/>
-          </p:cNvSpPr>
-          <p:nvPr>
-            <p:ph type="title"/>
-          </p:nvPr>
-        </p:nvSpPr>
-        <p:spPr/>
-        <p:txBody>
-          <a:bodyPr/>
-          <a:lstStyle/>
-          <a:p>
-            <a:r>
-              <a:rPr lang="zh-CN" altLang="en-US" dirty="0" smtClean="0">
-                <a:ea typeface="宋体" pitchFamily="2" charset="-122"/>
-              </a:rPr>
-              <a:t>例题</a:t>
-            </a:r>
-          </a:p>
-        </p:txBody>
-      </p:sp>
-      <p:sp>
-        <p:nvSpPr>
-          <p:cNvPr id="4099" name="内容占位符 2"/>
-          <p:cNvSpPr>
-            <a:spLocks noGrp="1"/>
-          </p:cNvSpPr>
-          <p:nvPr>
-            <p:ph idx="1"/>
-          </p:nvPr>
-        </p:nvSpPr>
-        <p:spPr>
-          <a:xfrm>
-            <a:off x="457200" y="1076325"/>
-            <a:ext cx="8329642" cy="5248275"/>
-          </a:xfrm>
-        </p:spPr>
-        <p:txBody>
-          <a:bodyPr/>
-          <a:lstStyle/>
-          <a:p>
-            <a:pPr marL="180000">
-              <a:lnSpc>
-                <a:spcPts val="3400"/>
-              </a:lnSpc>
-              <a:buNone/>
-            </a:pPr>
-            <a:r>
-              <a:rPr lang="en-US" altLang="zh-CN" sz="2000" dirty="0" err="1"/>
-              <a:t>int</a:t>
-            </a:r>
-            <a:r>
-              <a:rPr lang="en-US" altLang="zh-CN" sz="2000" dirty="0"/>
-              <a:t> main</a:t>
-            </a:r>
-            <a:r>
-              <a:rPr lang="en-US" altLang="zh-CN" sz="2000" dirty="0" smtClean="0"/>
-              <a:t>(){</a:t>
-            </a:r>
-            <a:endParaRPr lang="en-US" altLang="zh-CN" sz="2000" dirty="0"/>
-          </a:p>
-          <a:p>
-            <a:pPr marL="180000">
-              <a:lnSpc>
-                <a:spcPts val="3400"/>
-              </a:lnSpc>
-              <a:buNone/>
-            </a:pPr>
-            <a:r>
-              <a:rPr lang="en-US" altLang="zh-CN" sz="2000" dirty="0"/>
-              <a:t>    </a:t>
-            </a:r>
-            <a:r>
-              <a:rPr lang="en-US" altLang="zh-CN" sz="2000" dirty="0" err="1"/>
-              <a:t>int</a:t>
-            </a:r>
-            <a:r>
-              <a:rPr lang="en-US" altLang="zh-CN" sz="2000" dirty="0"/>
-              <a:t> </a:t>
-            </a:r>
-            <a:r>
-              <a:rPr lang="en-US" altLang="zh-CN" sz="2000" dirty="0" err="1"/>
-              <a:t>n,cnt</a:t>
-            </a:r>
-            <a:r>
-              <a:rPr lang="en-US" altLang="zh-CN" sz="2000" dirty="0"/>
-              <a:t> = 1;</a:t>
-            </a:r>
-          </a:p>
-          <a:p>
-            <a:pPr marL="180000">
-              <a:lnSpc>
-                <a:spcPts val="3400"/>
-              </a:lnSpc>
-              <a:buNone/>
-            </a:pPr>
-            <a:r>
-              <a:rPr lang="en-US" altLang="zh-CN" sz="2000" dirty="0"/>
-              <a:t>    while(</a:t>
-            </a:r>
-            <a:r>
-              <a:rPr lang="en-US" altLang="zh-CN" sz="2000" dirty="0" err="1"/>
-              <a:t>scanf</a:t>
-            </a:r>
-            <a:r>
-              <a:rPr lang="en-US" altLang="zh-CN" sz="2000" dirty="0"/>
-              <a:t>("%</a:t>
-            </a:r>
-            <a:r>
-              <a:rPr lang="en-US" altLang="zh-CN" sz="2000" dirty="0" err="1"/>
-              <a:t>d",&amp;n</a:t>
-            </a:r>
-            <a:r>
-              <a:rPr lang="en-US" altLang="zh-CN" sz="2000" dirty="0"/>
-              <a:t>)!=EOF &amp;&amp; n</a:t>
-            </a:r>
-            <a:r>
-              <a:rPr lang="en-US" altLang="zh-CN" sz="2000" dirty="0" smtClean="0"/>
-              <a:t>){</a:t>
-            </a:r>
-            <a:endParaRPr lang="en-US" altLang="zh-CN" sz="2000" dirty="0"/>
-          </a:p>
-          <a:p>
-            <a:pPr marL="180000">
-              <a:lnSpc>
-                <a:spcPts val="3400"/>
-              </a:lnSpc>
-              <a:buNone/>
-            </a:pPr>
-            <a:r>
-              <a:rPr lang="en-US" altLang="zh-CN" sz="2000" dirty="0"/>
-              <a:t>        </a:t>
-            </a:r>
-            <a:r>
-              <a:rPr lang="en-US" altLang="zh-CN" sz="2000" dirty="0" err="1"/>
-              <a:t>scanf</a:t>
-            </a:r>
-            <a:r>
-              <a:rPr lang="en-US" altLang="zh-CN" sz="2000" dirty="0"/>
-              <a:t>("%s",</a:t>
-            </a:r>
-            <a:r>
-              <a:rPr lang="en-US" altLang="zh-CN" sz="2000" dirty="0" err="1"/>
-              <a:t>str</a:t>
-            </a:r>
-            <a:r>
-              <a:rPr lang="en-US" altLang="zh-CN" sz="2000" dirty="0"/>
-              <a:t>);</a:t>
-            </a:r>
-          </a:p>
-          <a:p>
-            <a:pPr marL="180000">
-              <a:lnSpc>
-                <a:spcPts val="3400"/>
-              </a:lnSpc>
-              <a:buNone/>
-            </a:pPr>
-            <a:r>
-              <a:rPr lang="en-US" altLang="zh-CN" sz="2000" dirty="0"/>
-              <a:t>        </a:t>
-            </a:r>
-            <a:r>
-              <a:rPr lang="en-US" altLang="zh-CN" sz="2000" dirty="0" err="1"/>
-              <a:t>printf</a:t>
-            </a:r>
-            <a:r>
-              <a:rPr lang="en-US" altLang="zh-CN" sz="2000" dirty="0"/>
-              <a:t>("Test case #%d\n",</a:t>
-            </a:r>
-            <a:r>
-              <a:rPr lang="en-US" altLang="zh-CN" sz="2000" dirty="0" err="1"/>
-              <a:t>cnt</a:t>
-            </a:r>
-            <a:r>
-              <a:rPr lang="en-US" altLang="zh-CN" sz="2000" dirty="0"/>
-              <a:t>++);</a:t>
-            </a:r>
-          </a:p>
-          <a:p>
-            <a:pPr marL="180000">
-              <a:lnSpc>
-                <a:spcPts val="3400"/>
-              </a:lnSpc>
-              <a:buNone/>
-            </a:pPr>
-            <a:r>
-              <a:rPr lang="en-US" altLang="zh-CN" sz="2000" dirty="0"/>
-              <a:t>        </a:t>
-            </a:r>
-            <a:r>
-              <a:rPr lang="en-US" altLang="zh-CN" sz="2000" dirty="0" err="1"/>
-              <a:t>getnext</a:t>
-            </a:r>
-            <a:r>
-              <a:rPr lang="en-US" altLang="zh-CN" sz="2000" dirty="0"/>
-              <a:t>();</a:t>
-            </a:r>
-          </a:p>
-          <a:p>
-            <a:pPr marL="180000">
-              <a:lnSpc>
-                <a:spcPts val="3400"/>
-              </a:lnSpc>
-              <a:buNone/>
-            </a:pPr>
-            <a:r>
-              <a:rPr lang="en-US" altLang="zh-CN" sz="2000" dirty="0"/>
-              <a:t>        </a:t>
-            </a:r>
-            <a:r>
-              <a:rPr lang="en-US" altLang="zh-CN" sz="2000" dirty="0" err="1"/>
-              <a:t>kmp</a:t>
-            </a:r>
-            <a:r>
-              <a:rPr lang="en-US" altLang="zh-CN" sz="2000" dirty="0"/>
-              <a:t>();</a:t>
-            </a:r>
-          </a:p>
-          <a:p>
-            <a:pPr marL="180000">
-              <a:lnSpc>
-                <a:spcPts val="3400"/>
-              </a:lnSpc>
-              <a:buNone/>
-            </a:pPr>
-            <a:r>
-              <a:rPr lang="en-US" altLang="zh-CN" sz="2000" dirty="0"/>
-              <a:t>        </a:t>
-            </a:r>
-            <a:r>
-              <a:rPr lang="en-US" altLang="zh-CN" sz="2000" dirty="0" err="1"/>
-              <a:t>putchar</a:t>
-            </a:r>
-            <a:r>
-              <a:rPr lang="en-US" altLang="zh-CN" sz="2000" dirty="0"/>
-              <a:t>(10);</a:t>
-            </a:r>
-          </a:p>
-          <a:p>
-            <a:pPr marL="180000">
-              <a:lnSpc>
-                <a:spcPts val="3400"/>
-              </a:lnSpc>
-              <a:buNone/>
-            </a:pPr>
-            <a:r>
-              <a:rPr lang="en-US" altLang="zh-CN" sz="2000" dirty="0"/>
-              <a:t>    }</a:t>
-            </a:r>
-          </a:p>
-          <a:p>
-            <a:pPr marL="180000">
-              <a:lnSpc>
-                <a:spcPts val="3400"/>
-              </a:lnSpc>
-              <a:buNone/>
-            </a:pPr>
-            <a:r>
-              <a:rPr lang="en-US" altLang="zh-CN" sz="2000" dirty="0"/>
-              <a:t>    return 0;</a:t>
-            </a:r>
-          </a:p>
-          <a:p>
-            <a:pPr marL="180000">
-              <a:lnSpc>
-                <a:spcPts val="3400"/>
-              </a:lnSpc>
-              <a:buNone/>
-            </a:pPr>
-            <a:r>
-              <a:rPr lang="en-US" altLang="zh-CN" sz="2000" dirty="0"/>
-              <a:t>}</a:t>
-            </a:r>
-            <a:endParaRPr lang="zh-CN" altLang="en-US" sz="2000" dirty="0" smtClean="0"/>
-          </a:p>
-        </p:txBody>
-      </p:sp>
-      <p:sp>
-        <p:nvSpPr>
-          <p:cNvPr id="1026" name="Rectangle 2"/>
-          <p:cNvSpPr>
-            <a:spLocks noChangeArrowheads="1"/>
-          </p:cNvSpPr>
-          <p:nvPr/>
-        </p:nvSpPr>
-        <p:spPr bwMode="auto">
-          <a:xfrm>
-            <a:off x="0" y="0"/>
-            <a:ext cx="9144000" cy="0"/>
-          </a:xfrm>
-          <a:prstGeom prst="rect">
-            <a:avLst/>
-          </a:prstGeom>
-          <a:noFill/>
-          <a:ln w="9525">
-            <a:noFill/>
-            <a:miter lim="800000"/>
-            <a:headEnd/>
-            <a:tailEnd/>
-          </a:ln>
-          <a:effectLst/>
-        </p:spPr>
-        <p:txBody>
-          <a:bodyPr vert="horz" wrap="none" lIns="91440" tIns="45720" rIns="91440" bIns="45720" numCol="1" anchor="ctr" anchorCtr="0" compatLnSpc="1">
-            <a:prstTxWarp prst="textNoShape">
-              <a:avLst/>
-            </a:prstTxWarp>
-            <a:spAutoFit/>
-          </a:bodyPr>
-          <a:lstStyle/>
-          <a:p>
-            <a:endParaRPr lang="zh-CN" altLang="en-US"/>
-          </a:p>
-        </p:txBody>
-      </p:sp>
-      <p:sp>
-        <p:nvSpPr>
-          <p:cNvPr id="1028" name="Rectangle 4"/>
-          <p:cNvSpPr>
-            <a:spLocks noChangeArrowheads="1"/>
-          </p:cNvSpPr>
-          <p:nvPr/>
-        </p:nvSpPr>
-        <p:spPr bwMode="auto">
-          <a:xfrm>
-            <a:off x="0" y="0"/>
-            <a:ext cx="9144000" cy="0"/>
-          </a:xfrm>
-          <a:prstGeom prst="rect">
-            <a:avLst/>
-          </a:prstGeom>
-          <a:noFill/>
-          <a:ln w="9525">
-            <a:noFill/>
-            <a:miter lim="800000"/>
-            <a:headEnd/>
-            <a:tailEnd/>
-          </a:ln>
-          <a:effectLst/>
-        </p:spPr>
-        <p:txBody>
-          <a:bodyPr vert="horz" wrap="none" lIns="91440" tIns="45720" rIns="91440" bIns="45720" numCol="1" anchor="ctr" anchorCtr="0" compatLnSpc="1">
-            <a:prstTxWarp prst="textNoShape">
-              <a:avLst/>
-            </a:prstTxWarp>
-            <a:spAutoFit/>
-          </a:bodyPr>
-          <a:lstStyle/>
-          <a:p>
-            <a:endParaRPr lang="zh-CN" altLang="en-US"/>
-          </a:p>
-        </p:txBody>
-      </p:sp>
-    </p:spTree>
-    <p:extLst>
-      <p:ext uri="{BB962C8B-B14F-4D97-AF65-F5344CB8AC3E}">
-        <p14:creationId xmlns:p14="http://schemas.microsoft.com/office/powerpoint/2010/main" val="1983238583"/>
-      </p:ext>
-    </p:extLst>
-  </p:cSld>
-  <p:clrMapOvr>
-    <a:masterClrMapping/>
-  </p:clrMapOvr>
-  <p:timing>
-    <p:tnLst>
-      <p:par>
-        <p:cTn id="1" dur="indefinite" restart="never" nodeType="tmRoot"/>
-      </p:par>
-    </p:tnLst>
-  </p:timing>
-</p:sld>
-</file>
-
-<file path=ppt/slides/slide2.xml><?xml version="1.0" encoding="utf-8"?>
-<p:sld xmlns:a="http://schemas.openxmlformats.org/drawingml/2006/main" xmlns:r="http://schemas.openxmlformats.org/officeDocument/2006/relationships" xmlns:p="http://schemas.openxmlformats.org/presentationml/2006/main">
-  <p:cSld>
-    <p:spTree>
-      <p:nvGrpSpPr>
-        <p:cNvPr id="1" name=""/>
-        <p:cNvGrpSpPr/>
-        <p:nvPr/>
-      </p:nvGrpSpPr>
-      <p:grpSpPr>
-        <a:xfrm>
-          <a:off x="0" y="0"/>
-          <a:ext cx="0" cy="0"/>
-          <a:chOff x="0" y="0"/>
-          <a:chExt cx="0" cy="0"/>
-        </a:xfrm>
-      </p:grpSpPr>
-      <p:sp>
-        <p:nvSpPr>
-          <p:cNvPr id="4098" name="标题 1"/>
-          <p:cNvSpPr>
-            <a:spLocks noGrp="1"/>
-          </p:cNvSpPr>
-          <p:nvPr>
-            <p:ph type="title"/>
-          </p:nvPr>
-        </p:nvSpPr>
-        <p:spPr/>
-        <p:txBody>
-          <a:bodyPr/>
-          <a:lstStyle/>
-          <a:p>
-            <a:r>
-              <a:rPr lang="zh-CN" altLang="en-US" dirty="0" smtClean="0">
-                <a:ea typeface="宋体" pitchFamily="2" charset="-122"/>
-              </a:rPr>
-              <a:t>一、字符串简介</a:t>
-            </a:r>
-          </a:p>
-        </p:txBody>
-      </p:sp>
-      <p:sp>
-        <p:nvSpPr>
-          <p:cNvPr id="4099" name="内容占位符 2"/>
-          <p:cNvSpPr>
-            <a:spLocks noGrp="1"/>
-          </p:cNvSpPr>
-          <p:nvPr>
-            <p:ph idx="1"/>
-          </p:nvPr>
-        </p:nvSpPr>
-        <p:spPr>
-          <a:xfrm>
-            <a:off x="457200" y="1076325"/>
-            <a:ext cx="8258204" cy="5248275"/>
-          </a:xfrm>
-        </p:spPr>
-        <p:txBody>
-          <a:bodyPr/>
-          <a:lstStyle/>
-          <a:p>
-            <a:pPr algn="just"/>
-            <a:r>
-              <a:rPr lang="zh-CN" altLang="zh-CN" dirty="0" smtClean="0"/>
-              <a:t>字符串</a:t>
-            </a:r>
-            <a:r>
-              <a:rPr lang="zh-CN" altLang="zh-CN" dirty="0"/>
-              <a:t>或串</a:t>
-            </a:r>
-            <a:r>
-              <a:rPr lang="en-US" altLang="zh-CN" dirty="0"/>
-              <a:t>(String)</a:t>
-            </a:r>
-            <a:r>
-              <a:rPr lang="zh-CN" altLang="zh-CN" dirty="0" smtClean="0"/>
-              <a:t>是一</a:t>
-            </a:r>
-            <a:r>
-              <a:rPr lang="zh-CN" altLang="zh-CN" dirty="0"/>
-              <a:t>串</a:t>
-            </a:r>
-            <a:r>
-              <a:rPr lang="zh-CN" altLang="zh-CN" dirty="0" smtClean="0"/>
-              <a:t>字符</a:t>
-            </a:r>
-            <a:r>
-              <a:rPr lang="zh-CN" altLang="en-US" dirty="0" smtClean="0"/>
-              <a:t>，</a:t>
-            </a:r>
-            <a:r>
-              <a:rPr lang="zh-CN" altLang="zh-CN" dirty="0" smtClean="0"/>
-              <a:t>它</a:t>
-            </a:r>
-            <a:r>
-              <a:rPr lang="zh-CN" altLang="zh-CN" dirty="0"/>
-              <a:t>是编程语言中表示文本的数据类型</a:t>
-            </a:r>
-            <a:r>
-              <a:rPr lang="zh-CN" altLang="zh-CN" dirty="0" smtClean="0"/>
-              <a:t>。</a:t>
-            </a:r>
-            <a:endParaRPr lang="en-US" altLang="zh-CN" dirty="0"/>
-          </a:p>
-          <a:p>
-            <a:pPr algn="just"/>
-            <a:r>
-              <a:rPr lang="zh-CN" altLang="en-US" dirty="0" smtClean="0"/>
-              <a:t>字符</a:t>
-            </a:r>
-            <a:r>
-              <a:rPr lang="zh-CN" altLang="zh-CN" dirty="0" smtClean="0"/>
-              <a:t>串</a:t>
-            </a:r>
-            <a:r>
-              <a:rPr lang="zh-CN" altLang="zh-CN" dirty="0"/>
-              <a:t>的两种最基本的存储方式是顺序存储方式和链接存储</a:t>
-            </a:r>
-            <a:r>
-              <a:rPr lang="zh-CN" altLang="zh-CN" dirty="0" smtClean="0"/>
-              <a:t>方式</a:t>
-            </a:r>
-            <a:r>
-              <a:rPr lang="zh-CN" altLang="en-US" dirty="0" smtClean="0"/>
-              <a:t>，在</a:t>
-            </a:r>
-            <a:r>
-              <a:rPr lang="en-US" altLang="zh-CN" dirty="0" smtClean="0"/>
-              <a:t>C</a:t>
-            </a:r>
-            <a:r>
-              <a:rPr lang="zh-CN" altLang="en-US" dirty="0" smtClean="0"/>
-              <a:t>语言中一般使用</a:t>
-            </a:r>
-            <a:r>
-              <a:rPr lang="zh-CN" altLang="zh-CN" dirty="0"/>
-              <a:t>顺序存储</a:t>
-            </a:r>
-            <a:r>
-              <a:rPr lang="zh-CN" altLang="zh-CN" dirty="0" smtClean="0"/>
-              <a:t>方式</a:t>
-            </a:r>
-            <a:r>
-              <a:rPr lang="zh-CN" altLang="en-US" dirty="0" smtClean="0"/>
-              <a:t>，以全</a:t>
-            </a:r>
-            <a:r>
-              <a:rPr lang="en-US" altLang="zh-CN" dirty="0" smtClean="0"/>
-              <a:t>0</a:t>
-            </a:r>
-            <a:r>
-              <a:rPr lang="zh-CN" altLang="en-US" dirty="0" smtClean="0"/>
-              <a:t>字节作为串的结尾标记，以第一个字符的地址代表字符串。</a:t>
-            </a:r>
-            <a:endParaRPr lang="zh-CN" altLang="zh-CN" dirty="0"/>
-          </a:p>
-        </p:txBody>
-      </p:sp>
-    </p:spTree>
-  </p:cSld>
-  <p:clrMapOvr>
-    <a:masterClrMapping/>
-  </p:clrMapOvr>
-  <p:timing>
-    <p:tnLst>
-      <p:par>
-        <p:cTn id="1" dur="indefinite" restart="never" nodeType="tmRoot"/>
-      </p:par>
-    </p:tnLst>
-  </p:timing>
-</p:sld>
-</file>
-
-<file path=ppt/slides/slide20.xml><?xml version="1.0" encoding="utf-8"?>
-<p:sld xmlns:a="http://schemas.openxmlformats.org/drawingml/2006/main" xmlns:r="http://schemas.openxmlformats.org/officeDocument/2006/relationships" xmlns:p="http://schemas.openxmlformats.org/presentationml/2006/main">
-  <p:cSld>
-    <p:spTree>
-      <p:nvGrpSpPr>
-        <p:cNvPr id="1" name=""/>
-        <p:cNvGrpSpPr/>
-        <p:nvPr/>
-      </p:nvGrpSpPr>
-      <p:grpSpPr>
-        <a:xfrm>
-          <a:off x="0" y="0"/>
-          <a:ext cx="0" cy="0"/>
-          <a:chOff x="0" y="0"/>
-          <a:chExt cx="0" cy="0"/>
-        </a:xfrm>
-      </p:grpSpPr>
-      <p:sp>
-        <p:nvSpPr>
           <p:cNvPr id="2" name="标题 1"/>
           <p:cNvSpPr>
             <a:spLocks noGrp="1"/>
@@ -9662,7 +8154,7 @@
 </p:sld>
 </file>
 
-<file path=ppt/slides/slide21.xml><?xml version="1.0" encoding="utf-8"?>
+<file path=ppt/slides/slide17.xml><?xml version="1.0" encoding="utf-8"?>
 <p:sld xmlns:a="http://schemas.openxmlformats.org/drawingml/2006/main" xmlns:r="http://schemas.openxmlformats.org/officeDocument/2006/relationships" xmlns:p="http://schemas.openxmlformats.org/presentationml/2006/main">
   <p:cSld>
     <p:spTree>
@@ -9912,6 +8404,179 @@
     <p:bldLst>
       <p:bldP spid="33794" grpId="0" animBg="1"/>
     </p:bldLst>
+  </p:timing>
+</p:sld>
+</file>
+
+<file path=ppt/slides/slide2.xml><?xml version="1.0" encoding="utf-8"?>
+<p:sld xmlns:a="http://schemas.openxmlformats.org/drawingml/2006/main" xmlns:r="http://schemas.openxmlformats.org/officeDocument/2006/relationships" xmlns:p="http://schemas.openxmlformats.org/presentationml/2006/main">
+  <p:cSld>
+    <p:spTree>
+      <p:nvGrpSpPr>
+        <p:cNvPr id="1" name=""/>
+        <p:cNvGrpSpPr/>
+        <p:nvPr/>
+      </p:nvGrpSpPr>
+      <p:grpSpPr>
+        <a:xfrm>
+          <a:off x="0" y="0"/>
+          <a:ext cx="0" cy="0"/>
+          <a:chOff x="0" y="0"/>
+          <a:chExt cx="0" cy="0"/>
+        </a:xfrm>
+      </p:grpSpPr>
+      <p:sp>
+        <p:nvSpPr>
+          <p:cNvPr id="4098" name="标题 1"/>
+          <p:cNvSpPr>
+            <a:spLocks noGrp="1"/>
+          </p:cNvSpPr>
+          <p:nvPr>
+            <p:ph type="title"/>
+          </p:nvPr>
+        </p:nvSpPr>
+        <p:spPr/>
+        <p:txBody>
+          <a:bodyPr/>
+          <a:lstStyle/>
+          <a:p>
+            <a:r>
+              <a:rPr lang="zh-CN" altLang="en-US" dirty="0" smtClean="0">
+                <a:ea typeface="宋体" pitchFamily="2" charset="-122"/>
+              </a:rPr>
+              <a:t>一、字符串简介</a:t>
+            </a:r>
+          </a:p>
+        </p:txBody>
+      </p:sp>
+      <p:sp>
+        <p:nvSpPr>
+          <p:cNvPr id="4099" name="内容占位符 2"/>
+          <p:cNvSpPr>
+            <a:spLocks noGrp="1"/>
+          </p:cNvSpPr>
+          <p:nvPr>
+            <p:ph idx="1"/>
+          </p:nvPr>
+        </p:nvSpPr>
+        <p:spPr>
+          <a:xfrm>
+            <a:off x="457200" y="1076325"/>
+            <a:ext cx="8258204" cy="5248275"/>
+          </a:xfrm>
+        </p:spPr>
+        <p:txBody>
+          <a:bodyPr/>
+          <a:lstStyle/>
+          <a:p>
+            <a:pPr algn="just"/>
+            <a:r>
+              <a:rPr lang="zh-CN" altLang="zh-CN" dirty="0" smtClean="0"/>
+              <a:t>字符串</a:t>
+            </a:r>
+            <a:r>
+              <a:rPr lang="zh-CN" altLang="zh-CN" dirty="0"/>
+              <a:t>或串</a:t>
+            </a:r>
+            <a:r>
+              <a:rPr lang="en-US" altLang="zh-CN" dirty="0"/>
+              <a:t>(String)</a:t>
+            </a:r>
+            <a:r>
+              <a:rPr lang="zh-CN" altLang="zh-CN" dirty="0" smtClean="0"/>
+              <a:t>是一</a:t>
+            </a:r>
+            <a:r>
+              <a:rPr lang="zh-CN" altLang="zh-CN" dirty="0"/>
+              <a:t>串</a:t>
+            </a:r>
+            <a:r>
+              <a:rPr lang="zh-CN" altLang="zh-CN" dirty="0" smtClean="0"/>
+              <a:t>字符</a:t>
+            </a:r>
+            <a:r>
+              <a:rPr lang="zh-CN" altLang="en-US" dirty="0" smtClean="0"/>
+              <a:t>，</a:t>
+            </a:r>
+            <a:r>
+              <a:rPr lang="zh-CN" altLang="zh-CN" dirty="0" smtClean="0"/>
+              <a:t>它</a:t>
+            </a:r>
+            <a:r>
+              <a:rPr lang="zh-CN" altLang="zh-CN" dirty="0"/>
+              <a:t>是编程语言中表示文本的数据类型</a:t>
+            </a:r>
+            <a:r>
+              <a:rPr lang="zh-CN" altLang="zh-CN" dirty="0" smtClean="0"/>
+              <a:t>。</a:t>
+            </a:r>
+            <a:endParaRPr lang="en-US" altLang="zh-CN" dirty="0"/>
+          </a:p>
+          <a:p>
+            <a:pPr algn="just"/>
+            <a:r>
+              <a:rPr lang="zh-CN" altLang="en-US" dirty="0" smtClean="0"/>
+              <a:t>字符</a:t>
+            </a:r>
+            <a:r>
+              <a:rPr lang="zh-CN" altLang="zh-CN" dirty="0" smtClean="0"/>
+              <a:t>串</a:t>
+            </a:r>
+            <a:r>
+              <a:rPr lang="zh-CN" altLang="zh-CN" dirty="0"/>
+              <a:t>的两种最基本的存储方式是顺序存储方式和链接存储</a:t>
+            </a:r>
+            <a:r>
+              <a:rPr lang="zh-CN" altLang="zh-CN" dirty="0" smtClean="0"/>
+              <a:t>方式</a:t>
+            </a:r>
+            <a:r>
+              <a:rPr lang="zh-CN" altLang="en-US" dirty="0" smtClean="0"/>
+              <a:t>，在</a:t>
+            </a:r>
+            <a:r>
+              <a:rPr lang="en-US" altLang="zh-CN" dirty="0" smtClean="0"/>
+              <a:t>C</a:t>
+            </a:r>
+            <a:r>
+              <a:rPr lang="zh-CN" altLang="en-US" dirty="0" smtClean="0"/>
+              <a:t>语言中一般使用</a:t>
+            </a:r>
+            <a:r>
+              <a:rPr lang="zh-CN" altLang="zh-CN" dirty="0"/>
+              <a:t>顺序存储</a:t>
+            </a:r>
+            <a:r>
+              <a:rPr lang="zh-CN" altLang="zh-CN" dirty="0" smtClean="0"/>
+              <a:t>方式</a:t>
+            </a:r>
+            <a:r>
+              <a:rPr lang="zh-CN" altLang="en-US" dirty="0" smtClean="0"/>
+              <a:t>，以全</a:t>
+            </a:r>
+            <a:r>
+              <a:rPr lang="en-US" altLang="zh-CN" dirty="0" smtClean="0"/>
+              <a:t>0</a:t>
+            </a:r>
+            <a:r>
+              <a:rPr lang="zh-CN" altLang="en-US" dirty="0" smtClean="0"/>
+              <a:t>字节作为串的结尾标记，以第一个字符的地址代表字符串。</a:t>
+            </a:r>
+            <a:endParaRPr lang="zh-CN" altLang="zh-CN" dirty="0"/>
+          </a:p>
+        </p:txBody>
+      </p:sp>
+    </p:spTree>
+  </p:cSld>
+  <p:clrMapOvr>
+    <a:masterClrMapping/>
+  </p:clrMapOvr>
+  <p:timing>
+    <p:tnLst>
+      <p:par>
+        <p:cTn id="1" dur="indefinite" restart="never" nodeType="tmRoot"/>
+      </p:par>
+    </p:tnLst>
   </p:timing>
 </p:sld>
 </file>
